--- a/Presentation1.pptx
+++ b/Presentation1.pptx
@@ -9,6 +9,9 @@
     <p:sldId id="257" r:id="rId3"/>
     <p:sldId id="258" r:id="rId4"/>
     <p:sldId id="259" r:id="rId5"/>
+    <p:sldId id="260" r:id="rId6"/>
+    <p:sldId id="261" r:id="rId7"/>
+    <p:sldId id="262" r:id="rId8"/>
   </p:sldIdLst>
   <p:sldSz cx="12192000" cy="6858000"/>
   <p:notesSz cx="6858000" cy="9144000"/>
@@ -107,6 +110,11 @@
       </a:defRPr>
     </a:lvl9pPr>
   </p:defaultTextStyle>
+  <p:extLst>
+    <p:ext uri="{EFAFB233-063F-42B5-8137-9DF3F51BA10A}">
+      <p15:sldGuideLst xmlns:p15="http://schemas.microsoft.com/office/powerpoint/2012/main"/>
+    </p:ext>
+  </p:extLst>
 </p:presentation>
 </file>
 
@@ -257,7 +265,7 @@
           <a:p>
             <a:fld id="{C664B636-2587-524A-B764-235F773F446F}" type="datetimeFigureOut">
               <a:rPr lang="en-US" smtClean="0"/>
-              <a:t>8/5/21</a:t>
+              <a:t>8/6/21</a:t>
             </a:fld>
             <a:endParaRPr lang="en-US"/>
           </a:p>
@@ -455,7 +463,7 @@
           <a:p>
             <a:fld id="{C664B636-2587-524A-B764-235F773F446F}" type="datetimeFigureOut">
               <a:rPr lang="en-US" smtClean="0"/>
-              <a:t>8/5/21</a:t>
+              <a:t>8/6/21</a:t>
             </a:fld>
             <a:endParaRPr lang="en-US"/>
           </a:p>
@@ -663,7 +671,7 @@
           <a:p>
             <a:fld id="{C664B636-2587-524A-B764-235F773F446F}" type="datetimeFigureOut">
               <a:rPr lang="en-US" smtClean="0"/>
-              <a:t>8/5/21</a:t>
+              <a:t>8/6/21</a:t>
             </a:fld>
             <a:endParaRPr lang="en-US"/>
           </a:p>
@@ -861,7 +869,7 @@
           <a:p>
             <a:fld id="{C664B636-2587-524A-B764-235F773F446F}" type="datetimeFigureOut">
               <a:rPr lang="en-US" smtClean="0"/>
-              <a:t>8/5/21</a:t>
+              <a:t>8/6/21</a:t>
             </a:fld>
             <a:endParaRPr lang="en-US"/>
           </a:p>
@@ -1136,7 +1144,7 @@
           <a:p>
             <a:fld id="{C664B636-2587-524A-B764-235F773F446F}" type="datetimeFigureOut">
               <a:rPr lang="en-US" smtClean="0"/>
-              <a:t>8/5/21</a:t>
+              <a:t>8/6/21</a:t>
             </a:fld>
             <a:endParaRPr lang="en-US"/>
           </a:p>
@@ -1401,7 +1409,7 @@
           <a:p>
             <a:fld id="{C664B636-2587-524A-B764-235F773F446F}" type="datetimeFigureOut">
               <a:rPr lang="en-US" smtClean="0"/>
-              <a:t>8/5/21</a:t>
+              <a:t>8/6/21</a:t>
             </a:fld>
             <a:endParaRPr lang="en-US"/>
           </a:p>
@@ -1813,7 +1821,7 @@
           <a:p>
             <a:fld id="{C664B636-2587-524A-B764-235F773F446F}" type="datetimeFigureOut">
               <a:rPr lang="en-US" smtClean="0"/>
-              <a:t>8/5/21</a:t>
+              <a:t>8/6/21</a:t>
             </a:fld>
             <a:endParaRPr lang="en-US"/>
           </a:p>
@@ -1954,7 +1962,7 @@
           <a:p>
             <a:fld id="{C664B636-2587-524A-B764-235F773F446F}" type="datetimeFigureOut">
               <a:rPr lang="en-US" smtClean="0"/>
-              <a:t>8/5/21</a:t>
+              <a:t>8/6/21</a:t>
             </a:fld>
             <a:endParaRPr lang="en-US"/>
           </a:p>
@@ -2067,7 +2075,7 @@
           <a:p>
             <a:fld id="{C664B636-2587-524A-B764-235F773F446F}" type="datetimeFigureOut">
               <a:rPr lang="en-US" smtClean="0"/>
-              <a:t>8/5/21</a:t>
+              <a:t>8/6/21</a:t>
             </a:fld>
             <a:endParaRPr lang="en-US"/>
           </a:p>
@@ -2378,7 +2386,7 @@
           <a:p>
             <a:fld id="{C664B636-2587-524A-B764-235F773F446F}" type="datetimeFigureOut">
               <a:rPr lang="en-US" smtClean="0"/>
-              <a:t>8/5/21</a:t>
+              <a:t>8/6/21</a:t>
             </a:fld>
             <a:endParaRPr lang="en-US"/>
           </a:p>
@@ -2666,7 +2674,7 @@
           <a:p>
             <a:fld id="{C664B636-2587-524A-B764-235F773F446F}" type="datetimeFigureOut">
               <a:rPr lang="en-US" smtClean="0"/>
-              <a:t>8/5/21</a:t>
+              <a:t>8/6/21</a:t>
             </a:fld>
             <a:endParaRPr lang="en-US"/>
           </a:p>
@@ -2907,7 +2915,7 @@
           <a:p>
             <a:fld id="{C664B636-2587-524A-B764-235F773F446F}" type="datetimeFigureOut">
               <a:rPr lang="en-US" smtClean="0"/>
-              <a:t>8/5/21</a:t>
+              <a:t>8/6/21</a:t>
             </a:fld>
             <a:endParaRPr lang="en-US"/>
           </a:p>
@@ -4284,7 +4292,7 @@
             <p:ph idx="1"/>
             <p:extLst>
               <p:ext uri="{D42A27DB-BD31-4B8C-83A1-F6EECF244321}">
-                <p14:modId xmlns:p14="http://schemas.microsoft.com/office/powerpoint/2010/main" val="3930643983"/>
+                <p14:modId xmlns:p14="http://schemas.microsoft.com/office/powerpoint/2010/main" val="2940406607"/>
               </p:ext>
             </p:extLst>
           </p:nvPr>
@@ -4876,12 +4884,12 @@
                     <a:p>
                       <a:pPr algn="l" fontAlgn="b"/>
                       <a:r>
-                        <a:rPr lang="en-US" sz="1500" u="none" strike="noStrike">
-                          <a:effectLst/>
-                        </a:rPr>
-                        <a:t>2017-08-32</a:t>
-                      </a:r>
-                      <a:endParaRPr lang="en-US" sz="1500" b="0" i="0" u="none" strike="noStrike">
+                        <a:rPr lang="en-US" sz="1500" u="none" strike="noStrike" dirty="0">
+                          <a:effectLst/>
+                        </a:rPr>
+                        <a:t>2017-08-31</a:t>
+                      </a:r>
+                      <a:endParaRPr lang="en-US" sz="1500" b="0" i="0" u="none" strike="noStrike" dirty="0">
                         <a:solidFill>
                           <a:srgbClr val="000000"/>
                         </a:solidFill>
@@ -5113,12 +5121,12 @@
                     <a:p>
                       <a:pPr algn="l" fontAlgn="b"/>
                       <a:r>
-                        <a:rPr lang="en-US" sz="1500" u="none" strike="noStrike">
-                          <a:effectLst/>
-                        </a:rPr>
-                        <a:t>2017-08-33</a:t>
-                      </a:r>
-                      <a:endParaRPr lang="en-US" sz="1500" b="0" i="0" u="none" strike="noStrike">
+                        <a:rPr lang="en-US" sz="1500" u="none" strike="noStrike" dirty="0">
+                          <a:effectLst/>
+                        </a:rPr>
+                        <a:t>2017-08-31</a:t>
+                      </a:r>
+                      <a:endParaRPr lang="en-US" sz="1500" b="0" i="0" u="none" strike="noStrike" dirty="0">
                         <a:solidFill>
                           <a:srgbClr val="000000"/>
                         </a:solidFill>
@@ -6811,9 +6819,10 @@
           <a:lstStyle/>
           <a:p>
             <a:r>
-              <a:rPr lang="en-US" dirty="0"/>
-              <a:t>Feature Store</a:t>
-            </a:r>
+              <a:rPr lang="en-US" dirty="0" err="1"/>
+              <a:t>FeatureStore</a:t>
+            </a:r>
+            <a:endParaRPr lang="en-US" dirty="0"/>
           </a:p>
         </p:txBody>
       </p:sp>
@@ -6982,6 +6991,4004 @@
     <p:extLst>
       <p:ext uri="{BB962C8B-B14F-4D97-AF65-F5344CB8AC3E}">
         <p14:creationId xmlns:p14="http://schemas.microsoft.com/office/powerpoint/2010/main" val="1285974935"/>
+      </p:ext>
+    </p:extLst>
+  </p:cSld>
+  <p:clrMapOvr>
+    <a:masterClrMapping/>
+  </p:clrMapOvr>
+</p:sld>
+</file>
+
+<file path=ppt/slides/slide5.xml><?xml version="1.0" encoding="utf-8"?>
+<p:sld xmlns:a="http://schemas.openxmlformats.org/drawingml/2006/main" xmlns:r="http://schemas.openxmlformats.org/officeDocument/2006/relationships" xmlns:p="http://schemas.openxmlformats.org/presentationml/2006/main">
+  <p:cSld>
+    <p:spTree>
+      <p:nvGrpSpPr>
+        <p:cNvPr id="1" name=""/>
+        <p:cNvGrpSpPr/>
+        <p:nvPr/>
+      </p:nvGrpSpPr>
+      <p:grpSpPr>
+        <a:xfrm>
+          <a:off x="0" y="0"/>
+          <a:ext cx="0" cy="0"/>
+          <a:chOff x="0" y="0"/>
+          <a:chExt cx="0" cy="0"/>
+        </a:xfrm>
+      </p:grpSpPr>
+      <p:sp>
+        <p:nvSpPr>
+          <p:cNvPr id="2" name="Title 1">
+            <a:extLst>
+              <a:ext uri="{FF2B5EF4-FFF2-40B4-BE49-F238E27FC236}">
+                <a16:creationId xmlns:a16="http://schemas.microsoft.com/office/drawing/2014/main" id="{2BFE758B-69DC-754A-9AA4-BC3427F0E85E}"/>
+              </a:ext>
+            </a:extLst>
+          </p:cNvPr>
+          <p:cNvSpPr>
+            <a:spLocks noGrp="1"/>
+          </p:cNvSpPr>
+          <p:nvPr>
+            <p:ph type="title"/>
+          </p:nvPr>
+        </p:nvSpPr>
+        <p:spPr>
+          <a:xfrm>
+            <a:off x="1008184" y="174032"/>
+            <a:ext cx="10175631" cy="1111843"/>
+          </a:xfrm>
+        </p:spPr>
+        <p:txBody>
+          <a:bodyPr vert="horz" lIns="91440" tIns="45720" rIns="91440" bIns="45720" rtlCol="0" anchor="ctr">
+            <a:normAutofit/>
+          </a:bodyPr>
+          <a:lstStyle/>
+          <a:p>
+            <a:r>
+              <a:rPr lang="en-US" sz="4000" kern="1200" dirty="0">
+                <a:solidFill>
+                  <a:schemeClr val="tx1"/>
+                </a:solidFill>
+                <a:latin typeface="+mj-lt"/>
+                <a:ea typeface="+mj-ea"/>
+                <a:cs typeface="+mj-cs"/>
+              </a:rPr>
+              <a:t>Lag months</a:t>
+            </a:r>
+          </a:p>
+        </p:txBody>
+      </p:sp>
+      <p:graphicFrame>
+        <p:nvGraphicFramePr>
+          <p:cNvPr id="6" name="Content Placeholder 5">
+            <a:extLst>
+              <a:ext uri="{FF2B5EF4-FFF2-40B4-BE49-F238E27FC236}">
+                <a16:creationId xmlns:a16="http://schemas.microsoft.com/office/drawing/2014/main" id="{1729AC4A-CC59-ED49-9303-07C461A4F4A3}"/>
+              </a:ext>
+            </a:extLst>
+          </p:cNvPr>
+          <p:cNvGraphicFramePr>
+            <a:graphicFrameLocks noGrp="1"/>
+          </p:cNvGraphicFramePr>
+          <p:nvPr>
+            <p:ph idx="1"/>
+            <p:extLst>
+              <p:ext uri="{D42A27DB-BD31-4B8C-83A1-F6EECF244321}">
+                <p14:modId xmlns:p14="http://schemas.microsoft.com/office/powerpoint/2010/main" val="26099437"/>
+              </p:ext>
+            </p:extLst>
+          </p:nvPr>
+        </p:nvGraphicFramePr>
+        <p:xfrm>
+          <a:off x="1332690" y="3332100"/>
+          <a:ext cx="3302000" cy="812800"/>
+        </p:xfrm>
+        <a:graphic>
+          <a:graphicData uri="http://schemas.openxmlformats.org/drawingml/2006/table">
+            <a:tbl>
+              <a:tblPr>
+                <a:tableStyleId>{5C22544A-7EE6-4342-B048-85BDC9FD1C3A}</a:tableStyleId>
+              </a:tblPr>
+              <a:tblGrid>
+                <a:gridCol w="825500">
+                  <a:extLst>
+                    <a:ext uri="{9D8B030D-6E8A-4147-A177-3AD203B41FA5}">
+                      <a16:colId xmlns:a16="http://schemas.microsoft.com/office/drawing/2014/main" val="319290595"/>
+                    </a:ext>
+                  </a:extLst>
+                </a:gridCol>
+                <a:gridCol w="825500">
+                  <a:extLst>
+                    <a:ext uri="{9D8B030D-6E8A-4147-A177-3AD203B41FA5}">
+                      <a16:colId xmlns:a16="http://schemas.microsoft.com/office/drawing/2014/main" val="3462565676"/>
+                    </a:ext>
+                  </a:extLst>
+                </a:gridCol>
+                <a:gridCol w="825500">
+                  <a:extLst>
+                    <a:ext uri="{9D8B030D-6E8A-4147-A177-3AD203B41FA5}">
+                      <a16:colId xmlns:a16="http://schemas.microsoft.com/office/drawing/2014/main" val="201635161"/>
+                    </a:ext>
+                  </a:extLst>
+                </a:gridCol>
+                <a:gridCol w="825500">
+                  <a:extLst>
+                    <a:ext uri="{9D8B030D-6E8A-4147-A177-3AD203B41FA5}">
+                      <a16:colId xmlns:a16="http://schemas.microsoft.com/office/drawing/2014/main" val="180298670"/>
+                    </a:ext>
+                  </a:extLst>
+                </a:gridCol>
+              </a:tblGrid>
+              <a:tr h="203200">
+                <a:tc>
+                  <a:txBody>
+                    <a:bodyPr/>
+                    <a:lstStyle/>
+                    <a:p>
+                      <a:pPr algn="l" fontAlgn="b"/>
+                      <a:r>
+                        <a:rPr lang="en-US" sz="1200" u="none" strike="noStrike">
+                          <a:effectLst/>
+                        </a:rPr>
+                        <a:t>idd</a:t>
+                      </a:r>
+                      <a:endParaRPr lang="en-US" sz="1200" b="0" i="0" u="none" strike="noStrike">
+                        <a:solidFill>
+                          <a:srgbClr val="000000"/>
+                        </a:solidFill>
+                        <a:effectLst/>
+                        <a:latin typeface="Calibri" panose="020F0502020204030204" pitchFamily="34" charset="0"/>
+                      </a:endParaRPr>
+                    </a:p>
+                  </a:txBody>
+                  <a:tcPr marL="9525" marR="9525" marT="9525" marB="0" anchor="b"/>
+                </a:tc>
+                <a:tc>
+                  <a:txBody>
+                    <a:bodyPr/>
+                    <a:lstStyle/>
+                    <a:p>
+                      <a:pPr algn="l" fontAlgn="b"/>
+                      <a:r>
+                        <a:rPr lang="en-US" sz="1200" u="none" strike="noStrike">
+                          <a:effectLst/>
+                        </a:rPr>
+                        <a:t>ft_data_dt</a:t>
+                      </a:r>
+                      <a:endParaRPr lang="en-US" sz="1200" b="0" i="0" u="none" strike="noStrike">
+                        <a:solidFill>
+                          <a:srgbClr val="000000"/>
+                        </a:solidFill>
+                        <a:effectLst/>
+                        <a:latin typeface="Calibri" panose="020F0502020204030204" pitchFamily="34" charset="0"/>
+                      </a:endParaRPr>
+                    </a:p>
+                  </a:txBody>
+                  <a:tcPr marL="9525" marR="9525" marT="9525" marB="0" anchor="b"/>
+                </a:tc>
+                <a:tc>
+                  <a:txBody>
+                    <a:bodyPr/>
+                    <a:lstStyle/>
+                    <a:p>
+                      <a:pPr algn="l" fontAlgn="b"/>
+                      <a:r>
+                        <a:rPr lang="en-US" sz="1200" u="none" strike="noStrike">
+                          <a:effectLst/>
+                        </a:rPr>
+                        <a:t>feature 1</a:t>
+                      </a:r>
+                      <a:endParaRPr lang="en-US" sz="1200" b="0" i="0" u="none" strike="noStrike">
+                        <a:solidFill>
+                          <a:srgbClr val="000000"/>
+                        </a:solidFill>
+                        <a:effectLst/>
+                        <a:latin typeface="Calibri" panose="020F0502020204030204" pitchFamily="34" charset="0"/>
+                      </a:endParaRPr>
+                    </a:p>
+                  </a:txBody>
+                  <a:tcPr marL="9525" marR="9525" marT="9525" marB="0" anchor="b"/>
+                </a:tc>
+                <a:tc>
+                  <a:txBody>
+                    <a:bodyPr/>
+                    <a:lstStyle/>
+                    <a:p>
+                      <a:pPr algn="l" fontAlgn="b"/>
+                      <a:r>
+                        <a:rPr lang="en-US" sz="1200" u="none" strike="noStrike">
+                          <a:effectLst/>
+                        </a:rPr>
+                        <a:t>feature 2</a:t>
+                      </a:r>
+                      <a:endParaRPr lang="en-US" sz="1200" b="0" i="0" u="none" strike="noStrike">
+                        <a:solidFill>
+                          <a:srgbClr val="000000"/>
+                        </a:solidFill>
+                        <a:effectLst/>
+                        <a:latin typeface="Calibri" panose="020F0502020204030204" pitchFamily="34" charset="0"/>
+                      </a:endParaRPr>
+                    </a:p>
+                  </a:txBody>
+                  <a:tcPr marL="9525" marR="9525" marT="9525" marB="0" anchor="b"/>
+                </a:tc>
+                <a:extLst>
+                  <a:ext uri="{0D108BD9-81ED-4DB2-BD59-A6C34878D82A}">
+                    <a16:rowId xmlns:a16="http://schemas.microsoft.com/office/drawing/2014/main" val="2462855297"/>
+                  </a:ext>
+                </a:extLst>
+              </a:tr>
+              <a:tr h="203200">
+                <a:tc>
+                  <a:txBody>
+                    <a:bodyPr/>
+                    <a:lstStyle/>
+                    <a:p>
+                      <a:pPr algn="r" fontAlgn="b"/>
+                      <a:r>
+                        <a:rPr lang="en-US" sz="1200" u="none" strike="noStrike">
+                          <a:effectLst/>
+                        </a:rPr>
+                        <a:t>801</a:t>
+                      </a:r>
+                      <a:endParaRPr lang="en-US" sz="1200" b="0" i="0" u="none" strike="noStrike">
+                        <a:solidFill>
+                          <a:srgbClr val="000000"/>
+                        </a:solidFill>
+                        <a:effectLst/>
+                        <a:latin typeface="Calibri" panose="020F0502020204030204" pitchFamily="34" charset="0"/>
+                      </a:endParaRPr>
+                    </a:p>
+                  </a:txBody>
+                  <a:tcPr marL="9525" marR="9525" marT="9525" marB="0" anchor="b"/>
+                </a:tc>
+                <a:tc>
+                  <a:txBody>
+                    <a:bodyPr/>
+                    <a:lstStyle/>
+                    <a:p>
+                      <a:pPr algn="l" fontAlgn="b"/>
+                      <a:r>
+                        <a:rPr lang="en-US" sz="1200" u="none" strike="noStrike" dirty="0">
+                          <a:effectLst/>
+                        </a:rPr>
+                        <a:t>2017-09-31</a:t>
+                      </a:r>
+                      <a:endParaRPr lang="en-US" sz="1200" b="0" i="0" u="none" strike="noStrike" dirty="0">
+                        <a:solidFill>
+                          <a:srgbClr val="000000"/>
+                        </a:solidFill>
+                        <a:effectLst/>
+                        <a:latin typeface="Calibri" panose="020F0502020204030204" pitchFamily="34" charset="0"/>
+                      </a:endParaRPr>
+                    </a:p>
+                  </a:txBody>
+                  <a:tcPr marL="9525" marR="9525" marT="9525" marB="0" anchor="b"/>
+                </a:tc>
+                <a:tc>
+                  <a:txBody>
+                    <a:bodyPr/>
+                    <a:lstStyle/>
+                    <a:p>
+                      <a:pPr algn="r" fontAlgn="b"/>
+                      <a:r>
+                        <a:rPr lang="en-US" sz="1200" u="none" strike="noStrike">
+                          <a:effectLst/>
+                        </a:rPr>
+                        <a:t>0.6962524</a:t>
+                      </a:r>
+                      <a:endParaRPr lang="en-US" sz="1200" b="0" i="0" u="none" strike="noStrike">
+                        <a:solidFill>
+                          <a:srgbClr val="000000"/>
+                        </a:solidFill>
+                        <a:effectLst/>
+                        <a:latin typeface="Calibri" panose="020F0502020204030204" pitchFamily="34" charset="0"/>
+                      </a:endParaRPr>
+                    </a:p>
+                  </a:txBody>
+                  <a:tcPr marL="9525" marR="9525" marT="9525" marB="0" anchor="b"/>
+                </a:tc>
+                <a:tc>
+                  <a:txBody>
+                    <a:bodyPr/>
+                    <a:lstStyle/>
+                    <a:p>
+                      <a:pPr algn="r" fontAlgn="b"/>
+                      <a:r>
+                        <a:rPr lang="en-US" sz="1200" u="none" strike="noStrike">
+                          <a:effectLst/>
+                        </a:rPr>
+                        <a:t>0.25721654</a:t>
+                      </a:r>
+                      <a:endParaRPr lang="en-US" sz="1200" b="0" i="0" u="none" strike="noStrike">
+                        <a:solidFill>
+                          <a:srgbClr val="000000"/>
+                        </a:solidFill>
+                        <a:effectLst/>
+                        <a:latin typeface="Calibri" panose="020F0502020204030204" pitchFamily="34" charset="0"/>
+                      </a:endParaRPr>
+                    </a:p>
+                  </a:txBody>
+                  <a:tcPr marL="9525" marR="9525" marT="9525" marB="0" anchor="b"/>
+                </a:tc>
+                <a:extLst>
+                  <a:ext uri="{0D108BD9-81ED-4DB2-BD59-A6C34878D82A}">
+                    <a16:rowId xmlns:a16="http://schemas.microsoft.com/office/drawing/2014/main" val="1620208297"/>
+                  </a:ext>
+                </a:extLst>
+              </a:tr>
+              <a:tr h="203200">
+                <a:tc>
+                  <a:txBody>
+                    <a:bodyPr/>
+                    <a:lstStyle/>
+                    <a:p>
+                      <a:pPr algn="r" fontAlgn="b"/>
+                      <a:r>
+                        <a:rPr lang="en-US" sz="1200" u="none" strike="noStrike">
+                          <a:effectLst/>
+                        </a:rPr>
+                        <a:t>802</a:t>
+                      </a:r>
+                      <a:endParaRPr lang="en-US" sz="1200" b="0" i="0" u="none" strike="noStrike">
+                        <a:solidFill>
+                          <a:srgbClr val="000000"/>
+                        </a:solidFill>
+                        <a:effectLst/>
+                        <a:latin typeface="Calibri" panose="020F0502020204030204" pitchFamily="34" charset="0"/>
+                      </a:endParaRPr>
+                    </a:p>
+                  </a:txBody>
+                  <a:tcPr marL="9525" marR="9525" marT="9525" marB="0" anchor="b"/>
+                </a:tc>
+                <a:tc>
+                  <a:txBody>
+                    <a:bodyPr/>
+                    <a:lstStyle/>
+                    <a:p>
+                      <a:pPr algn="l" fontAlgn="b"/>
+                      <a:r>
+                        <a:rPr lang="en-US" sz="1200" u="none" strike="noStrike">
+                          <a:effectLst/>
+                        </a:rPr>
+                        <a:t>2017-09-31</a:t>
+                      </a:r>
+                      <a:endParaRPr lang="en-US" sz="1200" b="0" i="0" u="none" strike="noStrike">
+                        <a:solidFill>
+                          <a:srgbClr val="000000"/>
+                        </a:solidFill>
+                        <a:effectLst/>
+                        <a:latin typeface="Calibri" panose="020F0502020204030204" pitchFamily="34" charset="0"/>
+                      </a:endParaRPr>
+                    </a:p>
+                  </a:txBody>
+                  <a:tcPr marL="9525" marR="9525" marT="9525" marB="0" anchor="b"/>
+                </a:tc>
+                <a:tc>
+                  <a:txBody>
+                    <a:bodyPr/>
+                    <a:lstStyle/>
+                    <a:p>
+                      <a:pPr algn="r" fontAlgn="b"/>
+                      <a:r>
+                        <a:rPr lang="en-US" sz="1200" u="none" strike="noStrike" dirty="0">
+                          <a:effectLst/>
+                        </a:rPr>
+                        <a:t>0.22980312</a:t>
+                      </a:r>
+                      <a:endParaRPr lang="en-US" sz="1200" b="0" i="0" u="none" strike="noStrike" dirty="0">
+                        <a:solidFill>
+                          <a:srgbClr val="000000"/>
+                        </a:solidFill>
+                        <a:effectLst/>
+                        <a:latin typeface="Calibri" panose="020F0502020204030204" pitchFamily="34" charset="0"/>
+                      </a:endParaRPr>
+                    </a:p>
+                  </a:txBody>
+                  <a:tcPr marL="9525" marR="9525" marT="9525" marB="0" anchor="b"/>
+                </a:tc>
+                <a:tc>
+                  <a:txBody>
+                    <a:bodyPr/>
+                    <a:lstStyle/>
+                    <a:p>
+                      <a:pPr algn="r" fontAlgn="b"/>
+                      <a:r>
+                        <a:rPr lang="en-US" sz="1200" u="none" strike="noStrike">
+                          <a:effectLst/>
+                        </a:rPr>
+                        <a:t>0.79995755</a:t>
+                      </a:r>
+                      <a:endParaRPr lang="en-US" sz="1200" b="0" i="0" u="none" strike="noStrike">
+                        <a:solidFill>
+                          <a:srgbClr val="000000"/>
+                        </a:solidFill>
+                        <a:effectLst/>
+                        <a:latin typeface="Calibri" panose="020F0502020204030204" pitchFamily="34" charset="0"/>
+                      </a:endParaRPr>
+                    </a:p>
+                  </a:txBody>
+                  <a:tcPr marL="9525" marR="9525" marT="9525" marB="0" anchor="b"/>
+                </a:tc>
+                <a:extLst>
+                  <a:ext uri="{0D108BD9-81ED-4DB2-BD59-A6C34878D82A}">
+                    <a16:rowId xmlns:a16="http://schemas.microsoft.com/office/drawing/2014/main" val="1290470786"/>
+                  </a:ext>
+                </a:extLst>
+              </a:tr>
+              <a:tr h="203200">
+                <a:tc>
+                  <a:txBody>
+                    <a:bodyPr/>
+                    <a:lstStyle/>
+                    <a:p>
+                      <a:pPr algn="r" fontAlgn="b"/>
+                      <a:r>
+                        <a:rPr lang="en-US" sz="1200" u="none" strike="noStrike">
+                          <a:effectLst/>
+                        </a:rPr>
+                        <a:t>803</a:t>
+                      </a:r>
+                      <a:endParaRPr lang="en-US" sz="1200" b="0" i="0" u="none" strike="noStrike">
+                        <a:solidFill>
+                          <a:srgbClr val="000000"/>
+                        </a:solidFill>
+                        <a:effectLst/>
+                        <a:latin typeface="Calibri" panose="020F0502020204030204" pitchFamily="34" charset="0"/>
+                      </a:endParaRPr>
+                    </a:p>
+                  </a:txBody>
+                  <a:tcPr marL="9525" marR="9525" marT="9525" marB="0" anchor="b"/>
+                </a:tc>
+                <a:tc>
+                  <a:txBody>
+                    <a:bodyPr/>
+                    <a:lstStyle/>
+                    <a:p>
+                      <a:pPr algn="l" fontAlgn="b"/>
+                      <a:r>
+                        <a:rPr lang="en-US" sz="1200" u="none" strike="noStrike">
+                          <a:effectLst/>
+                        </a:rPr>
+                        <a:t>2017-09-31</a:t>
+                      </a:r>
+                      <a:endParaRPr lang="en-US" sz="1200" b="0" i="0" u="none" strike="noStrike">
+                        <a:solidFill>
+                          <a:srgbClr val="000000"/>
+                        </a:solidFill>
+                        <a:effectLst/>
+                        <a:latin typeface="Calibri" panose="020F0502020204030204" pitchFamily="34" charset="0"/>
+                      </a:endParaRPr>
+                    </a:p>
+                  </a:txBody>
+                  <a:tcPr marL="9525" marR="9525" marT="9525" marB="0" anchor="b"/>
+                </a:tc>
+                <a:tc>
+                  <a:txBody>
+                    <a:bodyPr/>
+                    <a:lstStyle/>
+                    <a:p>
+                      <a:pPr algn="r" fontAlgn="b"/>
+                      <a:r>
+                        <a:rPr lang="en-US" sz="1200" u="none" strike="noStrike" dirty="0">
+                          <a:effectLst/>
+                        </a:rPr>
+                        <a:t>0.97886255</a:t>
+                      </a:r>
+                      <a:endParaRPr lang="en-US" sz="1200" b="0" i="0" u="none" strike="noStrike" dirty="0">
+                        <a:solidFill>
+                          <a:srgbClr val="000000"/>
+                        </a:solidFill>
+                        <a:effectLst/>
+                        <a:latin typeface="Calibri" panose="020F0502020204030204" pitchFamily="34" charset="0"/>
+                      </a:endParaRPr>
+                    </a:p>
+                  </a:txBody>
+                  <a:tcPr marL="9525" marR="9525" marT="9525" marB="0" anchor="b"/>
+                </a:tc>
+                <a:tc>
+                  <a:txBody>
+                    <a:bodyPr/>
+                    <a:lstStyle/>
+                    <a:p>
+                      <a:pPr algn="r" fontAlgn="b"/>
+                      <a:r>
+                        <a:rPr lang="en-US" sz="1200" u="none" strike="noStrike" dirty="0">
+                          <a:effectLst/>
+                        </a:rPr>
+                        <a:t>0.89726567</a:t>
+                      </a:r>
+                      <a:endParaRPr lang="en-US" sz="1200" b="0" i="0" u="none" strike="noStrike" dirty="0">
+                        <a:solidFill>
+                          <a:srgbClr val="000000"/>
+                        </a:solidFill>
+                        <a:effectLst/>
+                        <a:latin typeface="Calibri" panose="020F0502020204030204" pitchFamily="34" charset="0"/>
+                      </a:endParaRPr>
+                    </a:p>
+                  </a:txBody>
+                  <a:tcPr marL="9525" marR="9525" marT="9525" marB="0" anchor="b"/>
+                </a:tc>
+                <a:extLst>
+                  <a:ext uri="{0D108BD9-81ED-4DB2-BD59-A6C34878D82A}">
+                    <a16:rowId xmlns:a16="http://schemas.microsoft.com/office/drawing/2014/main" val="3663109728"/>
+                  </a:ext>
+                </a:extLst>
+              </a:tr>
+            </a:tbl>
+          </a:graphicData>
+        </a:graphic>
+      </p:graphicFrame>
+      <p:graphicFrame>
+        <p:nvGraphicFramePr>
+          <p:cNvPr id="8" name="Table 7">
+            <a:extLst>
+              <a:ext uri="{FF2B5EF4-FFF2-40B4-BE49-F238E27FC236}">
+                <a16:creationId xmlns:a16="http://schemas.microsoft.com/office/drawing/2014/main" id="{93083BB1-3279-B941-805F-B1C9353AC0A7}"/>
+              </a:ext>
+            </a:extLst>
+          </p:cNvPr>
+          <p:cNvGraphicFramePr>
+            <a:graphicFrameLocks noGrp="1"/>
+          </p:cNvGraphicFramePr>
+          <p:nvPr>
+            <p:extLst>
+              <p:ext uri="{D42A27DB-BD31-4B8C-83A1-F6EECF244321}">
+                <p14:modId xmlns:p14="http://schemas.microsoft.com/office/powerpoint/2010/main" val="2197686520"/>
+              </p:ext>
+            </p:extLst>
+          </p:nvPr>
+        </p:nvGraphicFramePr>
+        <p:xfrm>
+          <a:off x="6739474" y="3332100"/>
+          <a:ext cx="2476500" cy="812800"/>
+        </p:xfrm>
+        <a:graphic>
+          <a:graphicData uri="http://schemas.openxmlformats.org/drawingml/2006/table">
+            <a:tbl>
+              <a:tblPr>
+                <a:tableStyleId>{5C22544A-7EE6-4342-B048-85BDC9FD1C3A}</a:tableStyleId>
+              </a:tblPr>
+              <a:tblGrid>
+                <a:gridCol w="825500">
+                  <a:extLst>
+                    <a:ext uri="{9D8B030D-6E8A-4147-A177-3AD203B41FA5}">
+                      <a16:colId xmlns:a16="http://schemas.microsoft.com/office/drawing/2014/main" val="3813721451"/>
+                    </a:ext>
+                  </a:extLst>
+                </a:gridCol>
+                <a:gridCol w="825500">
+                  <a:extLst>
+                    <a:ext uri="{9D8B030D-6E8A-4147-A177-3AD203B41FA5}">
+                      <a16:colId xmlns:a16="http://schemas.microsoft.com/office/drawing/2014/main" val="712722934"/>
+                    </a:ext>
+                  </a:extLst>
+                </a:gridCol>
+                <a:gridCol w="825500">
+                  <a:extLst>
+                    <a:ext uri="{9D8B030D-6E8A-4147-A177-3AD203B41FA5}">
+                      <a16:colId xmlns:a16="http://schemas.microsoft.com/office/drawing/2014/main" val="280820130"/>
+                    </a:ext>
+                  </a:extLst>
+                </a:gridCol>
+              </a:tblGrid>
+              <a:tr h="203200">
+                <a:tc>
+                  <a:txBody>
+                    <a:bodyPr/>
+                    <a:lstStyle/>
+                    <a:p>
+                      <a:pPr algn="l" fontAlgn="b"/>
+                      <a:r>
+                        <a:rPr lang="en-US" sz="1200" u="none" strike="noStrike" dirty="0" err="1">
+                          <a:effectLst/>
+                        </a:rPr>
+                        <a:t>idd</a:t>
+                      </a:r>
+                      <a:endParaRPr lang="en-US" sz="1200" b="0" i="0" u="none" strike="noStrike" dirty="0">
+                        <a:solidFill>
+                          <a:srgbClr val="000000"/>
+                        </a:solidFill>
+                        <a:effectLst/>
+                        <a:latin typeface="Calibri" panose="020F0502020204030204" pitchFamily="34" charset="0"/>
+                      </a:endParaRPr>
+                    </a:p>
+                  </a:txBody>
+                  <a:tcPr marL="9525" marR="9525" marT="9525" marB="0" anchor="b"/>
+                </a:tc>
+                <a:tc>
+                  <a:txBody>
+                    <a:bodyPr/>
+                    <a:lstStyle/>
+                    <a:p>
+                      <a:pPr algn="l" fontAlgn="b"/>
+                      <a:r>
+                        <a:rPr lang="en-US" sz="1200" u="none" strike="noStrike">
+                          <a:effectLst/>
+                        </a:rPr>
+                        <a:t>ft_data_dt</a:t>
+                      </a:r>
+                      <a:endParaRPr lang="en-US" sz="1200" b="0" i="0" u="none" strike="noStrike">
+                        <a:solidFill>
+                          <a:srgbClr val="000000"/>
+                        </a:solidFill>
+                        <a:effectLst/>
+                        <a:latin typeface="Calibri" panose="020F0502020204030204" pitchFamily="34" charset="0"/>
+                      </a:endParaRPr>
+                    </a:p>
+                  </a:txBody>
+                  <a:tcPr marL="9525" marR="9525" marT="9525" marB="0" anchor="b"/>
+                </a:tc>
+                <a:tc>
+                  <a:txBody>
+                    <a:bodyPr/>
+                    <a:lstStyle/>
+                    <a:p>
+                      <a:pPr algn="l" fontAlgn="b"/>
+                      <a:r>
+                        <a:rPr lang="en-US" sz="1200" u="none" strike="noStrike">
+                          <a:effectLst/>
+                        </a:rPr>
+                        <a:t>target</a:t>
+                      </a:r>
+                      <a:endParaRPr lang="en-US" sz="1200" b="0" i="0" u="none" strike="noStrike">
+                        <a:solidFill>
+                          <a:srgbClr val="000000"/>
+                        </a:solidFill>
+                        <a:effectLst/>
+                        <a:latin typeface="Calibri" panose="020F0502020204030204" pitchFamily="34" charset="0"/>
+                      </a:endParaRPr>
+                    </a:p>
+                  </a:txBody>
+                  <a:tcPr marL="9525" marR="9525" marT="9525" marB="0" anchor="b"/>
+                </a:tc>
+                <a:extLst>
+                  <a:ext uri="{0D108BD9-81ED-4DB2-BD59-A6C34878D82A}">
+                    <a16:rowId xmlns:a16="http://schemas.microsoft.com/office/drawing/2014/main" val="706968596"/>
+                  </a:ext>
+                </a:extLst>
+              </a:tr>
+              <a:tr h="203200">
+                <a:tc>
+                  <a:txBody>
+                    <a:bodyPr/>
+                    <a:lstStyle/>
+                    <a:p>
+                      <a:pPr algn="r" fontAlgn="b"/>
+                      <a:r>
+                        <a:rPr lang="en-US" sz="1200" u="none" strike="noStrike">
+                          <a:effectLst/>
+                        </a:rPr>
+                        <a:t>801</a:t>
+                      </a:r>
+                      <a:endParaRPr lang="en-US" sz="1200" b="0" i="0" u="none" strike="noStrike">
+                        <a:solidFill>
+                          <a:srgbClr val="000000"/>
+                        </a:solidFill>
+                        <a:effectLst/>
+                        <a:latin typeface="Calibri" panose="020F0502020204030204" pitchFamily="34" charset="0"/>
+                      </a:endParaRPr>
+                    </a:p>
+                  </a:txBody>
+                  <a:tcPr marL="9525" marR="9525" marT="9525" marB="0" anchor="b"/>
+                </a:tc>
+                <a:tc>
+                  <a:txBody>
+                    <a:bodyPr/>
+                    <a:lstStyle/>
+                    <a:p>
+                      <a:pPr algn="l" fontAlgn="b"/>
+                      <a:r>
+                        <a:rPr lang="en-US" sz="1200" u="none" strike="noStrike" dirty="0">
+                          <a:effectLst/>
+                        </a:rPr>
+                        <a:t>2017-11-30</a:t>
+                      </a:r>
+                      <a:endParaRPr lang="en-US" sz="1200" b="0" i="0" u="none" strike="noStrike" dirty="0">
+                        <a:solidFill>
+                          <a:srgbClr val="000000"/>
+                        </a:solidFill>
+                        <a:effectLst/>
+                        <a:latin typeface="Calibri" panose="020F0502020204030204" pitchFamily="34" charset="0"/>
+                      </a:endParaRPr>
+                    </a:p>
+                  </a:txBody>
+                  <a:tcPr marL="9525" marR="9525" marT="9525" marB="0" anchor="b"/>
+                </a:tc>
+                <a:tc>
+                  <a:txBody>
+                    <a:bodyPr/>
+                    <a:lstStyle/>
+                    <a:p>
+                      <a:pPr algn="r" fontAlgn="b"/>
+                      <a:r>
+                        <a:rPr lang="en-US" sz="1200" u="none" strike="noStrike">
+                          <a:effectLst/>
+                        </a:rPr>
+                        <a:t>1</a:t>
+                      </a:r>
+                      <a:endParaRPr lang="en-US" sz="1200" b="0" i="0" u="none" strike="noStrike">
+                        <a:solidFill>
+                          <a:srgbClr val="000000"/>
+                        </a:solidFill>
+                        <a:effectLst/>
+                        <a:latin typeface="Calibri" panose="020F0502020204030204" pitchFamily="34" charset="0"/>
+                      </a:endParaRPr>
+                    </a:p>
+                  </a:txBody>
+                  <a:tcPr marL="9525" marR="9525" marT="9525" marB="0" anchor="b"/>
+                </a:tc>
+                <a:extLst>
+                  <a:ext uri="{0D108BD9-81ED-4DB2-BD59-A6C34878D82A}">
+                    <a16:rowId xmlns:a16="http://schemas.microsoft.com/office/drawing/2014/main" val="3175217615"/>
+                  </a:ext>
+                </a:extLst>
+              </a:tr>
+              <a:tr h="203200">
+                <a:tc>
+                  <a:txBody>
+                    <a:bodyPr/>
+                    <a:lstStyle/>
+                    <a:p>
+                      <a:pPr algn="r" fontAlgn="b"/>
+                      <a:r>
+                        <a:rPr lang="en-US" sz="1200" u="none" strike="noStrike">
+                          <a:effectLst/>
+                        </a:rPr>
+                        <a:t>802</a:t>
+                      </a:r>
+                      <a:endParaRPr lang="en-US" sz="1200" b="0" i="0" u="none" strike="noStrike">
+                        <a:solidFill>
+                          <a:srgbClr val="000000"/>
+                        </a:solidFill>
+                        <a:effectLst/>
+                        <a:latin typeface="Calibri" panose="020F0502020204030204" pitchFamily="34" charset="0"/>
+                      </a:endParaRPr>
+                    </a:p>
+                  </a:txBody>
+                  <a:tcPr marL="9525" marR="9525" marT="9525" marB="0" anchor="b"/>
+                </a:tc>
+                <a:tc>
+                  <a:txBody>
+                    <a:bodyPr/>
+                    <a:lstStyle/>
+                    <a:p>
+                      <a:pPr algn="l" fontAlgn="b"/>
+                      <a:r>
+                        <a:rPr lang="en-US" sz="1200" u="none" strike="noStrike" dirty="0">
+                          <a:effectLst/>
+                        </a:rPr>
+                        <a:t>2017-11-30</a:t>
+                      </a:r>
+                      <a:endParaRPr lang="en-US" sz="1200" b="0" i="0" u="none" strike="noStrike" dirty="0">
+                        <a:solidFill>
+                          <a:srgbClr val="000000"/>
+                        </a:solidFill>
+                        <a:effectLst/>
+                        <a:latin typeface="Calibri" panose="020F0502020204030204" pitchFamily="34" charset="0"/>
+                      </a:endParaRPr>
+                    </a:p>
+                  </a:txBody>
+                  <a:tcPr marL="9525" marR="9525" marT="9525" marB="0" anchor="b"/>
+                </a:tc>
+                <a:tc>
+                  <a:txBody>
+                    <a:bodyPr/>
+                    <a:lstStyle/>
+                    <a:p>
+                      <a:pPr algn="r" fontAlgn="b"/>
+                      <a:r>
+                        <a:rPr lang="en-US" sz="1200" u="none" strike="noStrike">
+                          <a:effectLst/>
+                        </a:rPr>
+                        <a:t>0</a:t>
+                      </a:r>
+                      <a:endParaRPr lang="en-US" sz="1200" b="0" i="0" u="none" strike="noStrike">
+                        <a:solidFill>
+                          <a:srgbClr val="000000"/>
+                        </a:solidFill>
+                        <a:effectLst/>
+                        <a:latin typeface="Calibri" panose="020F0502020204030204" pitchFamily="34" charset="0"/>
+                      </a:endParaRPr>
+                    </a:p>
+                  </a:txBody>
+                  <a:tcPr marL="9525" marR="9525" marT="9525" marB="0" anchor="b"/>
+                </a:tc>
+                <a:extLst>
+                  <a:ext uri="{0D108BD9-81ED-4DB2-BD59-A6C34878D82A}">
+                    <a16:rowId xmlns:a16="http://schemas.microsoft.com/office/drawing/2014/main" val="2004923237"/>
+                  </a:ext>
+                </a:extLst>
+              </a:tr>
+              <a:tr h="203200">
+                <a:tc>
+                  <a:txBody>
+                    <a:bodyPr/>
+                    <a:lstStyle/>
+                    <a:p>
+                      <a:pPr algn="r" fontAlgn="b"/>
+                      <a:r>
+                        <a:rPr lang="en-US" sz="1200" u="none" strike="noStrike">
+                          <a:effectLst/>
+                        </a:rPr>
+                        <a:t>803</a:t>
+                      </a:r>
+                      <a:endParaRPr lang="en-US" sz="1200" b="0" i="0" u="none" strike="noStrike">
+                        <a:solidFill>
+                          <a:srgbClr val="000000"/>
+                        </a:solidFill>
+                        <a:effectLst/>
+                        <a:latin typeface="Calibri" panose="020F0502020204030204" pitchFamily="34" charset="0"/>
+                      </a:endParaRPr>
+                    </a:p>
+                  </a:txBody>
+                  <a:tcPr marL="9525" marR="9525" marT="9525" marB="0" anchor="b"/>
+                </a:tc>
+                <a:tc>
+                  <a:txBody>
+                    <a:bodyPr/>
+                    <a:lstStyle/>
+                    <a:p>
+                      <a:pPr algn="l" fontAlgn="b"/>
+                      <a:r>
+                        <a:rPr lang="en-US" sz="1200" u="none" strike="noStrike" dirty="0">
+                          <a:effectLst/>
+                        </a:rPr>
+                        <a:t>2017-11-30</a:t>
+                      </a:r>
+                      <a:endParaRPr lang="en-US" sz="1200" b="0" i="0" u="none" strike="noStrike" dirty="0">
+                        <a:solidFill>
+                          <a:srgbClr val="000000"/>
+                        </a:solidFill>
+                        <a:effectLst/>
+                        <a:latin typeface="Calibri" panose="020F0502020204030204" pitchFamily="34" charset="0"/>
+                      </a:endParaRPr>
+                    </a:p>
+                  </a:txBody>
+                  <a:tcPr marL="9525" marR="9525" marT="9525" marB="0" anchor="b"/>
+                </a:tc>
+                <a:tc>
+                  <a:txBody>
+                    <a:bodyPr/>
+                    <a:lstStyle/>
+                    <a:p>
+                      <a:pPr algn="r" fontAlgn="b"/>
+                      <a:r>
+                        <a:rPr lang="en-US" sz="1200" u="none" strike="noStrike" dirty="0">
+                          <a:effectLst/>
+                        </a:rPr>
+                        <a:t>1</a:t>
+                      </a:r>
+                      <a:endParaRPr lang="en-US" sz="1200" b="0" i="0" u="none" strike="noStrike" dirty="0">
+                        <a:solidFill>
+                          <a:srgbClr val="000000"/>
+                        </a:solidFill>
+                        <a:effectLst/>
+                        <a:latin typeface="Calibri" panose="020F0502020204030204" pitchFamily="34" charset="0"/>
+                      </a:endParaRPr>
+                    </a:p>
+                  </a:txBody>
+                  <a:tcPr marL="9525" marR="9525" marT="9525" marB="0" anchor="b"/>
+                </a:tc>
+                <a:extLst>
+                  <a:ext uri="{0D108BD9-81ED-4DB2-BD59-A6C34878D82A}">
+                    <a16:rowId xmlns:a16="http://schemas.microsoft.com/office/drawing/2014/main" val="2107532529"/>
+                  </a:ext>
+                </a:extLst>
+              </a:tr>
+            </a:tbl>
+          </a:graphicData>
+        </a:graphic>
+      </p:graphicFrame>
+      <p:graphicFrame>
+        <p:nvGraphicFramePr>
+          <p:cNvPr id="11" name="Table 10">
+            <a:extLst>
+              <a:ext uri="{FF2B5EF4-FFF2-40B4-BE49-F238E27FC236}">
+                <a16:creationId xmlns:a16="http://schemas.microsoft.com/office/drawing/2014/main" id="{3F78E8E8-91AA-8A4D-A94A-C04EA7E82D9A}"/>
+              </a:ext>
+            </a:extLst>
+          </p:cNvPr>
+          <p:cNvGraphicFramePr>
+            <a:graphicFrameLocks noGrp="1"/>
+          </p:cNvGraphicFramePr>
+          <p:nvPr>
+            <p:extLst>
+              <p:ext uri="{D42A27DB-BD31-4B8C-83A1-F6EECF244321}">
+                <p14:modId xmlns:p14="http://schemas.microsoft.com/office/powerpoint/2010/main" val="2460926911"/>
+              </p:ext>
+            </p:extLst>
+          </p:nvPr>
+        </p:nvGraphicFramePr>
+        <p:xfrm>
+          <a:off x="3401629" y="5240283"/>
+          <a:ext cx="4127500" cy="812800"/>
+        </p:xfrm>
+        <a:graphic>
+          <a:graphicData uri="http://schemas.openxmlformats.org/drawingml/2006/table">
+            <a:tbl>
+              <a:tblPr>
+                <a:tableStyleId>{5C22544A-7EE6-4342-B048-85BDC9FD1C3A}</a:tableStyleId>
+              </a:tblPr>
+              <a:tblGrid>
+                <a:gridCol w="825500">
+                  <a:extLst>
+                    <a:ext uri="{9D8B030D-6E8A-4147-A177-3AD203B41FA5}">
+                      <a16:colId xmlns:a16="http://schemas.microsoft.com/office/drawing/2014/main" val="2849918505"/>
+                    </a:ext>
+                  </a:extLst>
+                </a:gridCol>
+                <a:gridCol w="825500">
+                  <a:extLst>
+                    <a:ext uri="{9D8B030D-6E8A-4147-A177-3AD203B41FA5}">
+                      <a16:colId xmlns:a16="http://schemas.microsoft.com/office/drawing/2014/main" val="497440892"/>
+                    </a:ext>
+                  </a:extLst>
+                </a:gridCol>
+                <a:gridCol w="825500">
+                  <a:extLst>
+                    <a:ext uri="{9D8B030D-6E8A-4147-A177-3AD203B41FA5}">
+                      <a16:colId xmlns:a16="http://schemas.microsoft.com/office/drawing/2014/main" val="2011633026"/>
+                    </a:ext>
+                  </a:extLst>
+                </a:gridCol>
+                <a:gridCol w="825500">
+                  <a:extLst>
+                    <a:ext uri="{9D8B030D-6E8A-4147-A177-3AD203B41FA5}">
+                      <a16:colId xmlns:a16="http://schemas.microsoft.com/office/drawing/2014/main" val="3763938956"/>
+                    </a:ext>
+                  </a:extLst>
+                </a:gridCol>
+                <a:gridCol w="825500">
+                  <a:extLst>
+                    <a:ext uri="{9D8B030D-6E8A-4147-A177-3AD203B41FA5}">
+                      <a16:colId xmlns:a16="http://schemas.microsoft.com/office/drawing/2014/main" val="427470069"/>
+                    </a:ext>
+                  </a:extLst>
+                </a:gridCol>
+              </a:tblGrid>
+              <a:tr h="203200">
+                <a:tc>
+                  <a:txBody>
+                    <a:bodyPr/>
+                    <a:lstStyle/>
+                    <a:p>
+                      <a:pPr algn="l" fontAlgn="b"/>
+                      <a:r>
+                        <a:rPr lang="en-US" sz="1200" u="none" strike="noStrike">
+                          <a:effectLst/>
+                        </a:rPr>
+                        <a:t>idd</a:t>
+                      </a:r>
+                      <a:endParaRPr lang="en-US" sz="1200" b="0" i="0" u="none" strike="noStrike">
+                        <a:solidFill>
+                          <a:srgbClr val="000000"/>
+                        </a:solidFill>
+                        <a:effectLst/>
+                        <a:latin typeface="Calibri" panose="020F0502020204030204" pitchFamily="34" charset="0"/>
+                      </a:endParaRPr>
+                    </a:p>
+                  </a:txBody>
+                  <a:tcPr marL="9525" marR="9525" marT="9525" marB="0" anchor="b"/>
+                </a:tc>
+                <a:tc>
+                  <a:txBody>
+                    <a:bodyPr/>
+                    <a:lstStyle/>
+                    <a:p>
+                      <a:pPr algn="l" fontAlgn="b"/>
+                      <a:r>
+                        <a:rPr lang="en-US" sz="1200" u="none" strike="noStrike">
+                          <a:effectLst/>
+                        </a:rPr>
+                        <a:t>ft_data_dt</a:t>
+                      </a:r>
+                      <a:endParaRPr lang="en-US" sz="1200" b="0" i="0" u="none" strike="noStrike">
+                        <a:solidFill>
+                          <a:srgbClr val="000000"/>
+                        </a:solidFill>
+                        <a:effectLst/>
+                        <a:latin typeface="Calibri" panose="020F0502020204030204" pitchFamily="34" charset="0"/>
+                      </a:endParaRPr>
+                    </a:p>
+                  </a:txBody>
+                  <a:tcPr marL="9525" marR="9525" marT="9525" marB="0" anchor="b"/>
+                </a:tc>
+                <a:tc>
+                  <a:txBody>
+                    <a:bodyPr/>
+                    <a:lstStyle/>
+                    <a:p>
+                      <a:pPr algn="l" fontAlgn="b"/>
+                      <a:r>
+                        <a:rPr lang="en-US" sz="1200" u="none" strike="noStrike">
+                          <a:effectLst/>
+                        </a:rPr>
+                        <a:t>feature 1</a:t>
+                      </a:r>
+                      <a:endParaRPr lang="en-US" sz="1200" b="0" i="0" u="none" strike="noStrike">
+                        <a:solidFill>
+                          <a:srgbClr val="000000"/>
+                        </a:solidFill>
+                        <a:effectLst/>
+                        <a:latin typeface="Calibri" panose="020F0502020204030204" pitchFamily="34" charset="0"/>
+                      </a:endParaRPr>
+                    </a:p>
+                  </a:txBody>
+                  <a:tcPr marL="9525" marR="9525" marT="9525" marB="0" anchor="b"/>
+                </a:tc>
+                <a:tc>
+                  <a:txBody>
+                    <a:bodyPr/>
+                    <a:lstStyle/>
+                    <a:p>
+                      <a:pPr algn="l" fontAlgn="b"/>
+                      <a:r>
+                        <a:rPr lang="en-US" sz="1200" u="none" strike="noStrike">
+                          <a:effectLst/>
+                        </a:rPr>
+                        <a:t>feature 2</a:t>
+                      </a:r>
+                      <a:endParaRPr lang="en-US" sz="1200" b="0" i="0" u="none" strike="noStrike">
+                        <a:solidFill>
+                          <a:srgbClr val="000000"/>
+                        </a:solidFill>
+                        <a:effectLst/>
+                        <a:latin typeface="Calibri" panose="020F0502020204030204" pitchFamily="34" charset="0"/>
+                      </a:endParaRPr>
+                    </a:p>
+                  </a:txBody>
+                  <a:tcPr marL="9525" marR="9525" marT="9525" marB="0" anchor="b"/>
+                </a:tc>
+                <a:tc>
+                  <a:txBody>
+                    <a:bodyPr/>
+                    <a:lstStyle/>
+                    <a:p>
+                      <a:pPr algn="l" fontAlgn="b"/>
+                      <a:r>
+                        <a:rPr lang="en-US" sz="1200" u="none" strike="noStrike">
+                          <a:effectLst/>
+                        </a:rPr>
+                        <a:t>target</a:t>
+                      </a:r>
+                      <a:endParaRPr lang="en-US" sz="1200" b="0" i="0" u="none" strike="noStrike">
+                        <a:solidFill>
+                          <a:srgbClr val="000000"/>
+                        </a:solidFill>
+                        <a:effectLst/>
+                        <a:latin typeface="Calibri" panose="020F0502020204030204" pitchFamily="34" charset="0"/>
+                      </a:endParaRPr>
+                    </a:p>
+                  </a:txBody>
+                  <a:tcPr marL="9525" marR="9525" marT="9525" marB="0" anchor="b"/>
+                </a:tc>
+                <a:extLst>
+                  <a:ext uri="{0D108BD9-81ED-4DB2-BD59-A6C34878D82A}">
+                    <a16:rowId xmlns:a16="http://schemas.microsoft.com/office/drawing/2014/main" val="4140046788"/>
+                  </a:ext>
+                </a:extLst>
+              </a:tr>
+              <a:tr h="203200">
+                <a:tc>
+                  <a:txBody>
+                    <a:bodyPr/>
+                    <a:lstStyle/>
+                    <a:p>
+                      <a:pPr algn="r" fontAlgn="b"/>
+                      <a:r>
+                        <a:rPr lang="en-US" sz="1200" u="none" strike="noStrike">
+                          <a:effectLst/>
+                        </a:rPr>
+                        <a:t>801</a:t>
+                      </a:r>
+                      <a:endParaRPr lang="en-US" sz="1200" b="0" i="0" u="none" strike="noStrike">
+                        <a:solidFill>
+                          <a:srgbClr val="000000"/>
+                        </a:solidFill>
+                        <a:effectLst/>
+                        <a:latin typeface="Calibri" panose="020F0502020204030204" pitchFamily="34" charset="0"/>
+                      </a:endParaRPr>
+                    </a:p>
+                  </a:txBody>
+                  <a:tcPr marL="9525" marR="9525" marT="9525" marB="0" anchor="b"/>
+                </a:tc>
+                <a:tc>
+                  <a:txBody>
+                    <a:bodyPr/>
+                    <a:lstStyle/>
+                    <a:p>
+                      <a:pPr algn="l" fontAlgn="b"/>
+                      <a:r>
+                        <a:rPr lang="en-US" sz="1200" u="none" strike="noStrike">
+                          <a:effectLst/>
+                        </a:rPr>
+                        <a:t>2017-09-31</a:t>
+                      </a:r>
+                      <a:endParaRPr lang="en-US" sz="1200" b="0" i="0" u="none" strike="noStrike">
+                        <a:solidFill>
+                          <a:srgbClr val="000000"/>
+                        </a:solidFill>
+                        <a:effectLst/>
+                        <a:latin typeface="Calibri" panose="020F0502020204030204" pitchFamily="34" charset="0"/>
+                      </a:endParaRPr>
+                    </a:p>
+                  </a:txBody>
+                  <a:tcPr marL="9525" marR="9525" marT="9525" marB="0" anchor="b"/>
+                </a:tc>
+                <a:tc>
+                  <a:txBody>
+                    <a:bodyPr/>
+                    <a:lstStyle/>
+                    <a:p>
+                      <a:pPr algn="r" fontAlgn="b"/>
+                      <a:r>
+                        <a:rPr lang="en-US" sz="1200" u="none" strike="noStrike">
+                          <a:effectLst/>
+                        </a:rPr>
+                        <a:t>0.34734258</a:t>
+                      </a:r>
+                      <a:endParaRPr lang="en-US" sz="1200" b="0" i="0" u="none" strike="noStrike">
+                        <a:solidFill>
+                          <a:srgbClr val="000000"/>
+                        </a:solidFill>
+                        <a:effectLst/>
+                        <a:latin typeface="Calibri" panose="020F0502020204030204" pitchFamily="34" charset="0"/>
+                      </a:endParaRPr>
+                    </a:p>
+                  </a:txBody>
+                  <a:tcPr marL="9525" marR="9525" marT="9525" marB="0" anchor="b"/>
+                </a:tc>
+                <a:tc>
+                  <a:txBody>
+                    <a:bodyPr/>
+                    <a:lstStyle/>
+                    <a:p>
+                      <a:pPr algn="r" fontAlgn="b"/>
+                      <a:r>
+                        <a:rPr lang="en-US" sz="1200" u="none" strike="noStrike">
+                          <a:effectLst/>
+                        </a:rPr>
+                        <a:t>0.34455954</a:t>
+                      </a:r>
+                      <a:endParaRPr lang="en-US" sz="1200" b="0" i="0" u="none" strike="noStrike">
+                        <a:solidFill>
+                          <a:srgbClr val="000000"/>
+                        </a:solidFill>
+                        <a:effectLst/>
+                        <a:latin typeface="Calibri" panose="020F0502020204030204" pitchFamily="34" charset="0"/>
+                      </a:endParaRPr>
+                    </a:p>
+                  </a:txBody>
+                  <a:tcPr marL="9525" marR="9525" marT="9525" marB="0" anchor="b"/>
+                </a:tc>
+                <a:tc>
+                  <a:txBody>
+                    <a:bodyPr/>
+                    <a:lstStyle/>
+                    <a:p>
+                      <a:pPr algn="r" fontAlgn="b"/>
+                      <a:r>
+                        <a:rPr lang="en-US" sz="1200" u="none" strike="noStrike">
+                          <a:effectLst/>
+                        </a:rPr>
+                        <a:t>1</a:t>
+                      </a:r>
+                      <a:endParaRPr lang="en-US" sz="1200" b="0" i="0" u="none" strike="noStrike">
+                        <a:solidFill>
+                          <a:srgbClr val="000000"/>
+                        </a:solidFill>
+                        <a:effectLst/>
+                        <a:latin typeface="Calibri" panose="020F0502020204030204" pitchFamily="34" charset="0"/>
+                      </a:endParaRPr>
+                    </a:p>
+                  </a:txBody>
+                  <a:tcPr marL="9525" marR="9525" marT="9525" marB="0" anchor="b"/>
+                </a:tc>
+                <a:extLst>
+                  <a:ext uri="{0D108BD9-81ED-4DB2-BD59-A6C34878D82A}">
+                    <a16:rowId xmlns:a16="http://schemas.microsoft.com/office/drawing/2014/main" val="2456889913"/>
+                  </a:ext>
+                </a:extLst>
+              </a:tr>
+              <a:tr h="203200">
+                <a:tc>
+                  <a:txBody>
+                    <a:bodyPr/>
+                    <a:lstStyle/>
+                    <a:p>
+                      <a:pPr algn="r" fontAlgn="b"/>
+                      <a:r>
+                        <a:rPr lang="en-US" sz="1200" u="none" strike="noStrike">
+                          <a:effectLst/>
+                        </a:rPr>
+                        <a:t>802</a:t>
+                      </a:r>
+                      <a:endParaRPr lang="en-US" sz="1200" b="0" i="0" u="none" strike="noStrike">
+                        <a:solidFill>
+                          <a:srgbClr val="000000"/>
+                        </a:solidFill>
+                        <a:effectLst/>
+                        <a:latin typeface="Calibri" panose="020F0502020204030204" pitchFamily="34" charset="0"/>
+                      </a:endParaRPr>
+                    </a:p>
+                  </a:txBody>
+                  <a:tcPr marL="9525" marR="9525" marT="9525" marB="0" anchor="b"/>
+                </a:tc>
+                <a:tc>
+                  <a:txBody>
+                    <a:bodyPr/>
+                    <a:lstStyle/>
+                    <a:p>
+                      <a:pPr algn="l" fontAlgn="b"/>
+                      <a:r>
+                        <a:rPr lang="en-US" sz="1200" u="none" strike="noStrike">
+                          <a:effectLst/>
+                        </a:rPr>
+                        <a:t>2017-09-31</a:t>
+                      </a:r>
+                      <a:endParaRPr lang="en-US" sz="1200" b="0" i="0" u="none" strike="noStrike">
+                        <a:solidFill>
+                          <a:srgbClr val="000000"/>
+                        </a:solidFill>
+                        <a:effectLst/>
+                        <a:latin typeface="Calibri" panose="020F0502020204030204" pitchFamily="34" charset="0"/>
+                      </a:endParaRPr>
+                    </a:p>
+                  </a:txBody>
+                  <a:tcPr marL="9525" marR="9525" marT="9525" marB="0" anchor="b"/>
+                </a:tc>
+                <a:tc>
+                  <a:txBody>
+                    <a:bodyPr/>
+                    <a:lstStyle/>
+                    <a:p>
+                      <a:pPr algn="r" fontAlgn="b"/>
+                      <a:r>
+                        <a:rPr lang="en-US" sz="1200" u="none" strike="noStrike">
+                          <a:effectLst/>
+                        </a:rPr>
+                        <a:t>0.02662759</a:t>
+                      </a:r>
+                      <a:endParaRPr lang="en-US" sz="1200" b="0" i="0" u="none" strike="noStrike">
+                        <a:solidFill>
+                          <a:srgbClr val="000000"/>
+                        </a:solidFill>
+                        <a:effectLst/>
+                        <a:latin typeface="Calibri" panose="020F0502020204030204" pitchFamily="34" charset="0"/>
+                      </a:endParaRPr>
+                    </a:p>
+                  </a:txBody>
+                  <a:tcPr marL="9525" marR="9525" marT="9525" marB="0" anchor="b"/>
+                </a:tc>
+                <a:tc>
+                  <a:txBody>
+                    <a:bodyPr/>
+                    <a:lstStyle/>
+                    <a:p>
+                      <a:pPr algn="r" fontAlgn="b"/>
+                      <a:r>
+                        <a:rPr lang="en-US" sz="1200" u="none" strike="noStrike">
+                          <a:effectLst/>
+                        </a:rPr>
+                        <a:t>0.46452912</a:t>
+                      </a:r>
+                      <a:endParaRPr lang="en-US" sz="1200" b="0" i="0" u="none" strike="noStrike">
+                        <a:solidFill>
+                          <a:srgbClr val="000000"/>
+                        </a:solidFill>
+                        <a:effectLst/>
+                        <a:latin typeface="Calibri" panose="020F0502020204030204" pitchFamily="34" charset="0"/>
+                      </a:endParaRPr>
+                    </a:p>
+                  </a:txBody>
+                  <a:tcPr marL="9525" marR="9525" marT="9525" marB="0" anchor="b"/>
+                </a:tc>
+                <a:tc>
+                  <a:txBody>
+                    <a:bodyPr/>
+                    <a:lstStyle/>
+                    <a:p>
+                      <a:pPr algn="r" fontAlgn="b"/>
+                      <a:r>
+                        <a:rPr lang="en-US" sz="1200" u="none" strike="noStrike">
+                          <a:effectLst/>
+                        </a:rPr>
+                        <a:t>0</a:t>
+                      </a:r>
+                      <a:endParaRPr lang="en-US" sz="1200" b="0" i="0" u="none" strike="noStrike">
+                        <a:solidFill>
+                          <a:srgbClr val="000000"/>
+                        </a:solidFill>
+                        <a:effectLst/>
+                        <a:latin typeface="Calibri" panose="020F0502020204030204" pitchFamily="34" charset="0"/>
+                      </a:endParaRPr>
+                    </a:p>
+                  </a:txBody>
+                  <a:tcPr marL="9525" marR="9525" marT="9525" marB="0" anchor="b"/>
+                </a:tc>
+                <a:extLst>
+                  <a:ext uri="{0D108BD9-81ED-4DB2-BD59-A6C34878D82A}">
+                    <a16:rowId xmlns:a16="http://schemas.microsoft.com/office/drawing/2014/main" val="3289869356"/>
+                  </a:ext>
+                </a:extLst>
+              </a:tr>
+              <a:tr h="203200">
+                <a:tc>
+                  <a:txBody>
+                    <a:bodyPr/>
+                    <a:lstStyle/>
+                    <a:p>
+                      <a:pPr algn="r" fontAlgn="b"/>
+                      <a:r>
+                        <a:rPr lang="en-US" sz="1200" u="none" strike="noStrike">
+                          <a:effectLst/>
+                        </a:rPr>
+                        <a:t>803</a:t>
+                      </a:r>
+                      <a:endParaRPr lang="en-US" sz="1200" b="0" i="0" u="none" strike="noStrike">
+                        <a:solidFill>
+                          <a:srgbClr val="000000"/>
+                        </a:solidFill>
+                        <a:effectLst/>
+                        <a:latin typeface="Calibri" panose="020F0502020204030204" pitchFamily="34" charset="0"/>
+                      </a:endParaRPr>
+                    </a:p>
+                  </a:txBody>
+                  <a:tcPr marL="9525" marR="9525" marT="9525" marB="0" anchor="b"/>
+                </a:tc>
+                <a:tc>
+                  <a:txBody>
+                    <a:bodyPr/>
+                    <a:lstStyle/>
+                    <a:p>
+                      <a:pPr algn="l" fontAlgn="b"/>
+                      <a:r>
+                        <a:rPr lang="en-US" sz="1200" u="none" strike="noStrike">
+                          <a:effectLst/>
+                        </a:rPr>
+                        <a:t>2017-09-31</a:t>
+                      </a:r>
+                      <a:endParaRPr lang="en-US" sz="1200" b="0" i="0" u="none" strike="noStrike">
+                        <a:solidFill>
+                          <a:srgbClr val="000000"/>
+                        </a:solidFill>
+                        <a:effectLst/>
+                        <a:latin typeface="Calibri" panose="020F0502020204030204" pitchFamily="34" charset="0"/>
+                      </a:endParaRPr>
+                    </a:p>
+                  </a:txBody>
+                  <a:tcPr marL="9525" marR="9525" marT="9525" marB="0" anchor="b"/>
+                </a:tc>
+                <a:tc>
+                  <a:txBody>
+                    <a:bodyPr/>
+                    <a:lstStyle/>
+                    <a:p>
+                      <a:pPr algn="r" fontAlgn="b"/>
+                      <a:r>
+                        <a:rPr lang="en-US" sz="1200" u="none" strike="noStrike">
+                          <a:effectLst/>
+                        </a:rPr>
+                        <a:t>0.35361085</a:t>
+                      </a:r>
+                      <a:endParaRPr lang="en-US" sz="1200" b="0" i="0" u="none" strike="noStrike">
+                        <a:solidFill>
+                          <a:srgbClr val="000000"/>
+                        </a:solidFill>
+                        <a:effectLst/>
+                        <a:latin typeface="Calibri" panose="020F0502020204030204" pitchFamily="34" charset="0"/>
+                      </a:endParaRPr>
+                    </a:p>
+                  </a:txBody>
+                  <a:tcPr marL="9525" marR="9525" marT="9525" marB="0" anchor="b"/>
+                </a:tc>
+                <a:tc>
+                  <a:txBody>
+                    <a:bodyPr/>
+                    <a:lstStyle/>
+                    <a:p>
+                      <a:pPr algn="r" fontAlgn="b"/>
+                      <a:r>
+                        <a:rPr lang="en-US" sz="1200" u="none" strike="noStrike">
+                          <a:effectLst/>
+                        </a:rPr>
+                        <a:t>0.8766037</a:t>
+                      </a:r>
+                      <a:endParaRPr lang="en-US" sz="1200" b="0" i="0" u="none" strike="noStrike">
+                        <a:solidFill>
+                          <a:srgbClr val="000000"/>
+                        </a:solidFill>
+                        <a:effectLst/>
+                        <a:latin typeface="Calibri" panose="020F0502020204030204" pitchFamily="34" charset="0"/>
+                      </a:endParaRPr>
+                    </a:p>
+                  </a:txBody>
+                  <a:tcPr marL="9525" marR="9525" marT="9525" marB="0" anchor="b"/>
+                </a:tc>
+                <a:tc>
+                  <a:txBody>
+                    <a:bodyPr/>
+                    <a:lstStyle/>
+                    <a:p>
+                      <a:pPr algn="r" fontAlgn="b"/>
+                      <a:r>
+                        <a:rPr lang="en-US" sz="1200" u="none" strike="noStrike" dirty="0">
+                          <a:effectLst/>
+                        </a:rPr>
+                        <a:t>1</a:t>
+                      </a:r>
+                      <a:endParaRPr lang="en-US" sz="1200" b="0" i="0" u="none" strike="noStrike" dirty="0">
+                        <a:solidFill>
+                          <a:srgbClr val="000000"/>
+                        </a:solidFill>
+                        <a:effectLst/>
+                        <a:latin typeface="Calibri" panose="020F0502020204030204" pitchFamily="34" charset="0"/>
+                      </a:endParaRPr>
+                    </a:p>
+                  </a:txBody>
+                  <a:tcPr marL="9525" marR="9525" marT="9525" marB="0" anchor="b"/>
+                </a:tc>
+                <a:extLst>
+                  <a:ext uri="{0D108BD9-81ED-4DB2-BD59-A6C34878D82A}">
+                    <a16:rowId xmlns:a16="http://schemas.microsoft.com/office/drawing/2014/main" val="4284575339"/>
+                  </a:ext>
+                </a:extLst>
+              </a:tr>
+            </a:tbl>
+          </a:graphicData>
+        </a:graphic>
+      </p:graphicFrame>
+      <p:cxnSp>
+        <p:nvCxnSpPr>
+          <p:cNvPr id="14" name="Straight Arrow Connector 13">
+            <a:extLst>
+              <a:ext uri="{FF2B5EF4-FFF2-40B4-BE49-F238E27FC236}">
+                <a16:creationId xmlns:a16="http://schemas.microsoft.com/office/drawing/2014/main" id="{E353DA04-0997-4F45-A373-A8167D363D8E}"/>
+              </a:ext>
+            </a:extLst>
+          </p:cNvPr>
+          <p:cNvCxnSpPr>
+            <a:cxnSpLocks/>
+            <a:stCxn id="6" idx="2"/>
+            <a:endCxn id="11" idx="0"/>
+          </p:cNvCxnSpPr>
+          <p:nvPr/>
+        </p:nvCxnSpPr>
+        <p:spPr>
+          <a:xfrm>
+            <a:off x="2983690" y="4144900"/>
+            <a:ext cx="2481689" cy="1095383"/>
+          </a:xfrm>
+          <a:prstGeom prst="straightConnector1">
+            <a:avLst/>
+          </a:prstGeom>
+          <a:ln>
+            <a:tailEnd type="triangle"/>
+          </a:ln>
+        </p:spPr>
+        <p:style>
+          <a:lnRef idx="1">
+            <a:schemeClr val="accent1"/>
+          </a:lnRef>
+          <a:fillRef idx="0">
+            <a:schemeClr val="accent1"/>
+          </a:fillRef>
+          <a:effectRef idx="0">
+            <a:schemeClr val="accent1"/>
+          </a:effectRef>
+          <a:fontRef idx="minor">
+            <a:schemeClr val="tx1"/>
+          </a:fontRef>
+        </p:style>
+      </p:cxnSp>
+      <p:cxnSp>
+        <p:nvCxnSpPr>
+          <p:cNvPr id="16" name="Straight Arrow Connector 15">
+            <a:extLst>
+              <a:ext uri="{FF2B5EF4-FFF2-40B4-BE49-F238E27FC236}">
+                <a16:creationId xmlns:a16="http://schemas.microsoft.com/office/drawing/2014/main" id="{A00513B1-8C79-4C4D-9149-60C63A46C49D}"/>
+              </a:ext>
+            </a:extLst>
+          </p:cNvPr>
+          <p:cNvCxnSpPr>
+            <a:cxnSpLocks/>
+            <a:stCxn id="8" idx="2"/>
+            <a:endCxn id="11" idx="0"/>
+          </p:cNvCxnSpPr>
+          <p:nvPr/>
+        </p:nvCxnSpPr>
+        <p:spPr>
+          <a:xfrm flipH="1">
+            <a:off x="5465379" y="4144900"/>
+            <a:ext cx="2512345" cy="1095383"/>
+          </a:xfrm>
+          <a:prstGeom prst="straightConnector1">
+            <a:avLst/>
+          </a:prstGeom>
+          <a:ln>
+            <a:tailEnd type="triangle"/>
+          </a:ln>
+        </p:spPr>
+        <p:style>
+          <a:lnRef idx="1">
+            <a:schemeClr val="accent1"/>
+          </a:lnRef>
+          <a:fillRef idx="0">
+            <a:schemeClr val="accent1"/>
+          </a:fillRef>
+          <a:effectRef idx="0">
+            <a:schemeClr val="accent1"/>
+          </a:effectRef>
+          <a:fontRef idx="minor">
+            <a:schemeClr val="tx1"/>
+          </a:fontRef>
+        </p:style>
+      </p:cxnSp>
+      <p:sp>
+        <p:nvSpPr>
+          <p:cNvPr id="17" name="TextBox 16">
+            <a:extLst>
+              <a:ext uri="{FF2B5EF4-FFF2-40B4-BE49-F238E27FC236}">
+                <a16:creationId xmlns:a16="http://schemas.microsoft.com/office/drawing/2014/main" id="{44F0493F-AA7E-9847-B69A-F9BE62369733}"/>
+              </a:ext>
+            </a:extLst>
+          </p:cNvPr>
+          <p:cNvSpPr txBox="1"/>
+          <p:nvPr/>
+        </p:nvSpPr>
+        <p:spPr>
+          <a:xfrm>
+            <a:off x="9619680" y="3245304"/>
+            <a:ext cx="2572320" cy="1200329"/>
+          </a:xfrm>
+          <a:prstGeom prst="rect">
+            <a:avLst/>
+          </a:prstGeom>
+          <a:noFill/>
+        </p:spPr>
+        <p:txBody>
+          <a:bodyPr wrap="square" rtlCol="0">
+            <a:spAutoFit/>
+          </a:bodyPr>
+          <a:lstStyle/>
+          <a:p>
+            <a:r>
+              <a:rPr lang="en-US" dirty="0"/>
+              <a:t>It is crucial that the doctor record both infected and non-infected result.</a:t>
+            </a:r>
+          </a:p>
+        </p:txBody>
+      </p:sp>
+      <p:pic>
+        <p:nvPicPr>
+          <p:cNvPr id="18" name="Picture 4" descr="Database Browser (โปรแกรมเชื่อมต่อ ฐานข้อมูล Database ได้ทุกค่าย) 5.3.2.13  ดาวน์โหลดโปรแกรมฟรี">
+            <a:extLst>
+              <a:ext uri="{FF2B5EF4-FFF2-40B4-BE49-F238E27FC236}">
+                <a16:creationId xmlns:a16="http://schemas.microsoft.com/office/drawing/2014/main" id="{265C7DCC-4094-844A-B32A-1DBE4F22FFE9}"/>
+              </a:ext>
+            </a:extLst>
+          </p:cNvPr>
+          <p:cNvPicPr>
+            <a:picLocks noChangeAspect="1" noChangeArrowheads="1"/>
+          </p:cNvPicPr>
+          <p:nvPr/>
+        </p:nvPicPr>
+        <p:blipFill>
+          <a:blip r:embed="rId2">
+            <a:extLst>
+              <a:ext uri="{28A0092B-C50C-407E-A947-70E740481C1C}">
+                <a14:useLocalDpi xmlns:a14="http://schemas.microsoft.com/office/drawing/2010/main" val="0"/>
+              </a:ext>
+            </a:extLst>
+          </a:blip>
+          <a:srcRect/>
+          <a:stretch>
+            <a:fillRect/>
+          </a:stretch>
+        </p:blipFill>
+        <p:spPr bwMode="auto">
+          <a:xfrm>
+            <a:off x="4959119" y="1366050"/>
+            <a:ext cx="1136881" cy="1136881"/>
+          </a:xfrm>
+          <a:prstGeom prst="rect">
+            <a:avLst/>
+          </a:prstGeom>
+          <a:noFill/>
+          <a:extLst>
+            <a:ext uri="{909E8E84-426E-40DD-AFC4-6F175D3DCCD1}">
+              <a14:hiddenFill xmlns:a14="http://schemas.microsoft.com/office/drawing/2010/main">
+                <a:solidFill>
+                  <a:srgbClr val="FFFFFF"/>
+                </a:solidFill>
+              </a14:hiddenFill>
+            </a:ext>
+          </a:extLst>
+        </p:spPr>
+      </p:pic>
+      <p:sp>
+        <p:nvSpPr>
+          <p:cNvPr id="19" name="TextBox 18">
+            <a:extLst>
+              <a:ext uri="{FF2B5EF4-FFF2-40B4-BE49-F238E27FC236}">
+                <a16:creationId xmlns:a16="http://schemas.microsoft.com/office/drawing/2014/main" id="{4A28FC0E-802A-7D4F-A067-A69175E78C01}"/>
+              </a:ext>
+            </a:extLst>
+          </p:cNvPr>
+          <p:cNvSpPr txBox="1"/>
+          <p:nvPr/>
+        </p:nvSpPr>
+        <p:spPr>
+          <a:xfrm>
+            <a:off x="4724222" y="2484157"/>
+            <a:ext cx="1450077" cy="369332"/>
+          </a:xfrm>
+          <a:prstGeom prst="rect">
+            <a:avLst/>
+          </a:prstGeom>
+          <a:noFill/>
+        </p:spPr>
+        <p:txBody>
+          <a:bodyPr wrap="none" rtlCol="0">
+            <a:spAutoFit/>
+          </a:bodyPr>
+          <a:lstStyle/>
+          <a:p>
+            <a:pPr algn="ctr"/>
+            <a:r>
+              <a:rPr lang="en-US" dirty="0" err="1"/>
+              <a:t>FeatureStore</a:t>
+            </a:r>
+            <a:endParaRPr lang="en-US" dirty="0"/>
+          </a:p>
+        </p:txBody>
+      </p:sp>
+      <p:cxnSp>
+        <p:nvCxnSpPr>
+          <p:cNvPr id="21" name="Straight Arrow Connector 20">
+            <a:extLst>
+              <a:ext uri="{FF2B5EF4-FFF2-40B4-BE49-F238E27FC236}">
+                <a16:creationId xmlns:a16="http://schemas.microsoft.com/office/drawing/2014/main" id="{0F66095A-09EA-8243-ABB7-17925FB02104}"/>
+              </a:ext>
+            </a:extLst>
+          </p:cNvPr>
+          <p:cNvCxnSpPr>
+            <a:cxnSpLocks/>
+            <a:stCxn id="18" idx="1"/>
+            <a:endCxn id="6" idx="0"/>
+          </p:cNvCxnSpPr>
+          <p:nvPr/>
+        </p:nvCxnSpPr>
+        <p:spPr>
+          <a:xfrm flipH="1">
+            <a:off x="2983690" y="1934491"/>
+            <a:ext cx="1975429" cy="1397609"/>
+          </a:xfrm>
+          <a:prstGeom prst="straightConnector1">
+            <a:avLst/>
+          </a:prstGeom>
+          <a:ln>
+            <a:tailEnd type="triangle"/>
+          </a:ln>
+        </p:spPr>
+        <p:style>
+          <a:lnRef idx="1">
+            <a:schemeClr val="accent1"/>
+          </a:lnRef>
+          <a:fillRef idx="0">
+            <a:schemeClr val="accent1"/>
+          </a:fillRef>
+          <a:effectRef idx="0">
+            <a:schemeClr val="accent1"/>
+          </a:effectRef>
+          <a:fontRef idx="minor">
+            <a:schemeClr val="tx1"/>
+          </a:fontRef>
+        </p:style>
+      </p:cxnSp>
+      <p:cxnSp>
+        <p:nvCxnSpPr>
+          <p:cNvPr id="23" name="Straight Arrow Connector 22">
+            <a:extLst>
+              <a:ext uri="{FF2B5EF4-FFF2-40B4-BE49-F238E27FC236}">
+                <a16:creationId xmlns:a16="http://schemas.microsoft.com/office/drawing/2014/main" id="{51AF35A3-E546-A741-983C-1F5061874461}"/>
+              </a:ext>
+            </a:extLst>
+          </p:cNvPr>
+          <p:cNvCxnSpPr>
+            <a:cxnSpLocks/>
+            <a:stCxn id="18" idx="3"/>
+            <a:endCxn id="8" idx="0"/>
+          </p:cNvCxnSpPr>
+          <p:nvPr/>
+        </p:nvCxnSpPr>
+        <p:spPr>
+          <a:xfrm>
+            <a:off x="6096000" y="1934491"/>
+            <a:ext cx="1881724" cy="1397609"/>
+          </a:xfrm>
+          <a:prstGeom prst="straightConnector1">
+            <a:avLst/>
+          </a:prstGeom>
+          <a:ln>
+            <a:tailEnd type="triangle"/>
+          </a:ln>
+        </p:spPr>
+        <p:style>
+          <a:lnRef idx="1">
+            <a:schemeClr val="accent1"/>
+          </a:lnRef>
+          <a:fillRef idx="0">
+            <a:schemeClr val="accent1"/>
+          </a:fillRef>
+          <a:effectRef idx="0">
+            <a:schemeClr val="accent1"/>
+          </a:effectRef>
+          <a:fontRef idx="minor">
+            <a:schemeClr val="tx1"/>
+          </a:fontRef>
+        </p:style>
+      </p:cxnSp>
+      <p:sp>
+        <p:nvSpPr>
+          <p:cNvPr id="36" name="TextBox 35">
+            <a:extLst>
+              <a:ext uri="{FF2B5EF4-FFF2-40B4-BE49-F238E27FC236}">
+                <a16:creationId xmlns:a16="http://schemas.microsoft.com/office/drawing/2014/main" id="{9A125000-7E7D-574D-9AFB-DEE4651D8682}"/>
+              </a:ext>
+            </a:extLst>
+          </p:cNvPr>
+          <p:cNvSpPr txBox="1"/>
+          <p:nvPr/>
+        </p:nvSpPr>
+        <p:spPr>
+          <a:xfrm>
+            <a:off x="7977724" y="5258433"/>
+            <a:ext cx="2572320" cy="646331"/>
+          </a:xfrm>
+          <a:prstGeom prst="rect">
+            <a:avLst/>
+          </a:prstGeom>
+          <a:noFill/>
+        </p:spPr>
+        <p:txBody>
+          <a:bodyPr wrap="square" rtlCol="0">
+            <a:spAutoFit/>
+          </a:bodyPr>
+          <a:lstStyle/>
+          <a:p>
+            <a:r>
+              <a:rPr lang="en-US" dirty="0"/>
+              <a:t>Can be incorporate with </a:t>
+            </a:r>
+            <a:r>
+              <a:rPr lang="en-US" dirty="0" err="1"/>
+              <a:t>lag_target</a:t>
+            </a:r>
+            <a:r>
+              <a:rPr lang="en-US" dirty="0"/>
+              <a:t>.</a:t>
+            </a:r>
+          </a:p>
+        </p:txBody>
+      </p:sp>
+    </p:spTree>
+    <p:extLst>
+      <p:ext uri="{BB962C8B-B14F-4D97-AF65-F5344CB8AC3E}">
+        <p14:creationId xmlns:p14="http://schemas.microsoft.com/office/powerpoint/2010/main" val="162294379"/>
+      </p:ext>
+    </p:extLst>
+  </p:cSld>
+  <p:clrMapOvr>
+    <a:masterClrMapping/>
+  </p:clrMapOvr>
+</p:sld>
+</file>
+
+<file path=ppt/slides/slide6.xml><?xml version="1.0" encoding="utf-8"?>
+<p:sld xmlns:a="http://schemas.openxmlformats.org/drawingml/2006/main" xmlns:r="http://schemas.openxmlformats.org/officeDocument/2006/relationships" xmlns:p="http://schemas.openxmlformats.org/presentationml/2006/main">
+  <p:cSld>
+    <p:spTree>
+      <p:nvGrpSpPr>
+        <p:cNvPr id="1" name=""/>
+        <p:cNvGrpSpPr/>
+        <p:nvPr/>
+      </p:nvGrpSpPr>
+      <p:grpSpPr>
+        <a:xfrm>
+          <a:off x="0" y="0"/>
+          <a:ext cx="0" cy="0"/>
+          <a:chOff x="0" y="0"/>
+          <a:chExt cx="0" cy="0"/>
+        </a:xfrm>
+      </p:grpSpPr>
+      <p:sp>
+        <p:nvSpPr>
+          <p:cNvPr id="2" name="Title 1">
+            <a:extLst>
+              <a:ext uri="{FF2B5EF4-FFF2-40B4-BE49-F238E27FC236}">
+                <a16:creationId xmlns:a16="http://schemas.microsoft.com/office/drawing/2014/main" id="{F53EE802-8401-8F47-9ADF-8E435DBC3DD6}"/>
+              </a:ext>
+            </a:extLst>
+          </p:cNvPr>
+          <p:cNvSpPr>
+            <a:spLocks noGrp="1"/>
+          </p:cNvSpPr>
+          <p:nvPr>
+            <p:ph type="title"/>
+          </p:nvPr>
+        </p:nvSpPr>
+        <p:spPr/>
+        <p:txBody>
+          <a:bodyPr>
+            <a:normAutofit/>
+          </a:bodyPr>
+          <a:lstStyle/>
+          <a:p>
+            <a:r>
+              <a:rPr lang="en-US" sz="4000" dirty="0"/>
+              <a:t>Combine Column</a:t>
+            </a:r>
+          </a:p>
+        </p:txBody>
+      </p:sp>
+      <p:graphicFrame>
+        <p:nvGraphicFramePr>
+          <p:cNvPr id="4" name="Table 3">
+            <a:extLst>
+              <a:ext uri="{FF2B5EF4-FFF2-40B4-BE49-F238E27FC236}">
+                <a16:creationId xmlns:a16="http://schemas.microsoft.com/office/drawing/2014/main" id="{9B394B74-4075-5540-B4AE-B381332B7684}"/>
+              </a:ext>
+            </a:extLst>
+          </p:cNvPr>
+          <p:cNvGraphicFramePr>
+            <a:graphicFrameLocks noGrp="1"/>
+          </p:cNvGraphicFramePr>
+          <p:nvPr>
+            <p:extLst>
+              <p:ext uri="{D42A27DB-BD31-4B8C-83A1-F6EECF244321}">
+                <p14:modId xmlns:p14="http://schemas.microsoft.com/office/powerpoint/2010/main" val="3672957520"/>
+              </p:ext>
+            </p:extLst>
+          </p:nvPr>
+        </p:nvGraphicFramePr>
+        <p:xfrm>
+          <a:off x="1442261" y="3353121"/>
+          <a:ext cx="2476500" cy="812800"/>
+        </p:xfrm>
+        <a:graphic>
+          <a:graphicData uri="http://schemas.openxmlformats.org/drawingml/2006/table">
+            <a:tbl>
+              <a:tblPr>
+                <a:tableStyleId>{5C22544A-7EE6-4342-B048-85BDC9FD1C3A}</a:tableStyleId>
+              </a:tblPr>
+              <a:tblGrid>
+                <a:gridCol w="825500">
+                  <a:extLst>
+                    <a:ext uri="{9D8B030D-6E8A-4147-A177-3AD203B41FA5}">
+                      <a16:colId xmlns:a16="http://schemas.microsoft.com/office/drawing/2014/main" val="3813721451"/>
+                    </a:ext>
+                  </a:extLst>
+                </a:gridCol>
+                <a:gridCol w="825500">
+                  <a:extLst>
+                    <a:ext uri="{9D8B030D-6E8A-4147-A177-3AD203B41FA5}">
+                      <a16:colId xmlns:a16="http://schemas.microsoft.com/office/drawing/2014/main" val="712722934"/>
+                    </a:ext>
+                  </a:extLst>
+                </a:gridCol>
+                <a:gridCol w="825500">
+                  <a:extLst>
+                    <a:ext uri="{9D8B030D-6E8A-4147-A177-3AD203B41FA5}">
+                      <a16:colId xmlns:a16="http://schemas.microsoft.com/office/drawing/2014/main" val="280820130"/>
+                    </a:ext>
+                  </a:extLst>
+                </a:gridCol>
+              </a:tblGrid>
+              <a:tr h="203200">
+                <a:tc>
+                  <a:txBody>
+                    <a:bodyPr/>
+                    <a:lstStyle/>
+                    <a:p>
+                      <a:pPr algn="l" fontAlgn="b"/>
+                      <a:r>
+                        <a:rPr lang="en-US" sz="1200" u="none" strike="noStrike" dirty="0" err="1">
+                          <a:effectLst/>
+                        </a:rPr>
+                        <a:t>idd</a:t>
+                      </a:r>
+                      <a:endParaRPr lang="en-US" sz="1200" b="0" i="0" u="none" strike="noStrike" dirty="0">
+                        <a:solidFill>
+                          <a:srgbClr val="000000"/>
+                        </a:solidFill>
+                        <a:effectLst/>
+                        <a:latin typeface="Calibri" panose="020F0502020204030204" pitchFamily="34" charset="0"/>
+                      </a:endParaRPr>
+                    </a:p>
+                  </a:txBody>
+                  <a:tcPr marL="9525" marR="9525" marT="9525" marB="0" anchor="b"/>
+                </a:tc>
+                <a:tc>
+                  <a:txBody>
+                    <a:bodyPr/>
+                    <a:lstStyle/>
+                    <a:p>
+                      <a:pPr algn="l" fontAlgn="b"/>
+                      <a:r>
+                        <a:rPr lang="en-US" sz="1200" u="none" strike="noStrike">
+                          <a:effectLst/>
+                        </a:rPr>
+                        <a:t>ft_data_dt</a:t>
+                      </a:r>
+                      <a:endParaRPr lang="en-US" sz="1200" b="0" i="0" u="none" strike="noStrike">
+                        <a:solidFill>
+                          <a:srgbClr val="000000"/>
+                        </a:solidFill>
+                        <a:effectLst/>
+                        <a:latin typeface="Calibri" panose="020F0502020204030204" pitchFamily="34" charset="0"/>
+                      </a:endParaRPr>
+                    </a:p>
+                  </a:txBody>
+                  <a:tcPr marL="9525" marR="9525" marT="9525" marB="0" anchor="b"/>
+                </a:tc>
+                <a:tc>
+                  <a:txBody>
+                    <a:bodyPr/>
+                    <a:lstStyle/>
+                    <a:p>
+                      <a:pPr algn="l" fontAlgn="b"/>
+                      <a:r>
+                        <a:rPr lang="en-US" sz="1200" u="none" strike="noStrike">
+                          <a:effectLst/>
+                        </a:rPr>
+                        <a:t>target</a:t>
+                      </a:r>
+                      <a:endParaRPr lang="en-US" sz="1200" b="0" i="0" u="none" strike="noStrike">
+                        <a:solidFill>
+                          <a:srgbClr val="000000"/>
+                        </a:solidFill>
+                        <a:effectLst/>
+                        <a:latin typeface="Calibri" panose="020F0502020204030204" pitchFamily="34" charset="0"/>
+                      </a:endParaRPr>
+                    </a:p>
+                  </a:txBody>
+                  <a:tcPr marL="9525" marR="9525" marT="9525" marB="0" anchor="b"/>
+                </a:tc>
+                <a:extLst>
+                  <a:ext uri="{0D108BD9-81ED-4DB2-BD59-A6C34878D82A}">
+                    <a16:rowId xmlns:a16="http://schemas.microsoft.com/office/drawing/2014/main" val="706968596"/>
+                  </a:ext>
+                </a:extLst>
+              </a:tr>
+              <a:tr h="203200">
+                <a:tc>
+                  <a:txBody>
+                    <a:bodyPr/>
+                    <a:lstStyle/>
+                    <a:p>
+                      <a:pPr algn="r" fontAlgn="b"/>
+                      <a:r>
+                        <a:rPr lang="en-US" sz="1200" u="none" strike="noStrike">
+                          <a:effectLst/>
+                        </a:rPr>
+                        <a:t>801</a:t>
+                      </a:r>
+                      <a:endParaRPr lang="en-US" sz="1200" b="0" i="0" u="none" strike="noStrike">
+                        <a:solidFill>
+                          <a:srgbClr val="000000"/>
+                        </a:solidFill>
+                        <a:effectLst/>
+                        <a:latin typeface="Calibri" panose="020F0502020204030204" pitchFamily="34" charset="0"/>
+                      </a:endParaRPr>
+                    </a:p>
+                  </a:txBody>
+                  <a:tcPr marL="9525" marR="9525" marT="9525" marB="0" anchor="b"/>
+                </a:tc>
+                <a:tc>
+                  <a:txBody>
+                    <a:bodyPr/>
+                    <a:lstStyle/>
+                    <a:p>
+                      <a:pPr algn="l" fontAlgn="b"/>
+                      <a:r>
+                        <a:rPr lang="en-US" sz="1200" u="none" strike="noStrike" dirty="0">
+                          <a:effectLst/>
+                        </a:rPr>
+                        <a:t>2017-11-30</a:t>
+                      </a:r>
+                      <a:endParaRPr lang="en-US" sz="1200" b="0" i="0" u="none" strike="noStrike" dirty="0">
+                        <a:solidFill>
+                          <a:srgbClr val="000000"/>
+                        </a:solidFill>
+                        <a:effectLst/>
+                        <a:latin typeface="Calibri" panose="020F0502020204030204" pitchFamily="34" charset="0"/>
+                      </a:endParaRPr>
+                    </a:p>
+                  </a:txBody>
+                  <a:tcPr marL="9525" marR="9525" marT="9525" marB="0" anchor="b"/>
+                </a:tc>
+                <a:tc>
+                  <a:txBody>
+                    <a:bodyPr/>
+                    <a:lstStyle/>
+                    <a:p>
+                      <a:pPr algn="r" fontAlgn="b"/>
+                      <a:r>
+                        <a:rPr lang="en-US" sz="1200" b="0" i="0" u="none" strike="noStrike" dirty="0">
+                          <a:solidFill>
+                            <a:srgbClr val="000000"/>
+                          </a:solidFill>
+                          <a:effectLst/>
+                          <a:latin typeface="Calibri" panose="020F0502020204030204" pitchFamily="34" charset="0"/>
+                        </a:rPr>
+                        <a:t>0</a:t>
+                      </a:r>
+                    </a:p>
+                  </a:txBody>
+                  <a:tcPr marL="9525" marR="9525" marT="9525" marB="0" anchor="b"/>
+                </a:tc>
+                <a:extLst>
+                  <a:ext uri="{0D108BD9-81ED-4DB2-BD59-A6C34878D82A}">
+                    <a16:rowId xmlns:a16="http://schemas.microsoft.com/office/drawing/2014/main" val="3175217615"/>
+                  </a:ext>
+                </a:extLst>
+              </a:tr>
+              <a:tr h="203200">
+                <a:tc>
+                  <a:txBody>
+                    <a:bodyPr/>
+                    <a:lstStyle/>
+                    <a:p>
+                      <a:pPr algn="r" fontAlgn="b"/>
+                      <a:r>
+                        <a:rPr lang="en-US" sz="1200" u="none" strike="noStrike">
+                          <a:effectLst/>
+                        </a:rPr>
+                        <a:t>802</a:t>
+                      </a:r>
+                      <a:endParaRPr lang="en-US" sz="1200" b="0" i="0" u="none" strike="noStrike">
+                        <a:solidFill>
+                          <a:srgbClr val="000000"/>
+                        </a:solidFill>
+                        <a:effectLst/>
+                        <a:latin typeface="Calibri" panose="020F0502020204030204" pitchFamily="34" charset="0"/>
+                      </a:endParaRPr>
+                    </a:p>
+                  </a:txBody>
+                  <a:tcPr marL="9525" marR="9525" marT="9525" marB="0" anchor="b"/>
+                </a:tc>
+                <a:tc>
+                  <a:txBody>
+                    <a:bodyPr/>
+                    <a:lstStyle/>
+                    <a:p>
+                      <a:pPr algn="l" fontAlgn="b"/>
+                      <a:r>
+                        <a:rPr lang="en-US" sz="1200" u="none" strike="noStrike" dirty="0">
+                          <a:effectLst/>
+                        </a:rPr>
+                        <a:t>2017-11-30</a:t>
+                      </a:r>
+                      <a:endParaRPr lang="en-US" sz="1200" b="0" i="0" u="none" strike="noStrike" dirty="0">
+                        <a:solidFill>
+                          <a:srgbClr val="000000"/>
+                        </a:solidFill>
+                        <a:effectLst/>
+                        <a:latin typeface="Calibri" panose="020F0502020204030204" pitchFamily="34" charset="0"/>
+                      </a:endParaRPr>
+                    </a:p>
+                  </a:txBody>
+                  <a:tcPr marL="9525" marR="9525" marT="9525" marB="0" anchor="b"/>
+                </a:tc>
+                <a:tc>
+                  <a:txBody>
+                    <a:bodyPr/>
+                    <a:lstStyle/>
+                    <a:p>
+                      <a:pPr algn="r" fontAlgn="b"/>
+                      <a:r>
+                        <a:rPr lang="en-US" sz="1200" u="none" strike="noStrike">
+                          <a:effectLst/>
+                        </a:rPr>
+                        <a:t>0</a:t>
+                      </a:r>
+                      <a:endParaRPr lang="en-US" sz="1200" b="0" i="0" u="none" strike="noStrike">
+                        <a:solidFill>
+                          <a:srgbClr val="000000"/>
+                        </a:solidFill>
+                        <a:effectLst/>
+                        <a:latin typeface="Calibri" panose="020F0502020204030204" pitchFamily="34" charset="0"/>
+                      </a:endParaRPr>
+                    </a:p>
+                  </a:txBody>
+                  <a:tcPr marL="9525" marR="9525" marT="9525" marB="0" anchor="b"/>
+                </a:tc>
+                <a:extLst>
+                  <a:ext uri="{0D108BD9-81ED-4DB2-BD59-A6C34878D82A}">
+                    <a16:rowId xmlns:a16="http://schemas.microsoft.com/office/drawing/2014/main" val="2004923237"/>
+                  </a:ext>
+                </a:extLst>
+              </a:tr>
+              <a:tr h="203200">
+                <a:tc>
+                  <a:txBody>
+                    <a:bodyPr/>
+                    <a:lstStyle/>
+                    <a:p>
+                      <a:pPr algn="r" fontAlgn="b"/>
+                      <a:r>
+                        <a:rPr lang="en-US" sz="1200" u="none" strike="noStrike">
+                          <a:effectLst/>
+                        </a:rPr>
+                        <a:t>803</a:t>
+                      </a:r>
+                      <a:endParaRPr lang="en-US" sz="1200" b="0" i="0" u="none" strike="noStrike">
+                        <a:solidFill>
+                          <a:srgbClr val="000000"/>
+                        </a:solidFill>
+                        <a:effectLst/>
+                        <a:latin typeface="Calibri" panose="020F0502020204030204" pitchFamily="34" charset="0"/>
+                      </a:endParaRPr>
+                    </a:p>
+                  </a:txBody>
+                  <a:tcPr marL="9525" marR="9525" marT="9525" marB="0" anchor="b"/>
+                </a:tc>
+                <a:tc>
+                  <a:txBody>
+                    <a:bodyPr/>
+                    <a:lstStyle/>
+                    <a:p>
+                      <a:pPr algn="l" fontAlgn="b"/>
+                      <a:r>
+                        <a:rPr lang="en-US" sz="1200" u="none" strike="noStrike" dirty="0">
+                          <a:effectLst/>
+                        </a:rPr>
+                        <a:t>2017-11-30</a:t>
+                      </a:r>
+                      <a:endParaRPr lang="en-US" sz="1200" b="0" i="0" u="none" strike="noStrike" dirty="0">
+                        <a:solidFill>
+                          <a:srgbClr val="000000"/>
+                        </a:solidFill>
+                        <a:effectLst/>
+                        <a:latin typeface="Calibri" panose="020F0502020204030204" pitchFamily="34" charset="0"/>
+                      </a:endParaRPr>
+                    </a:p>
+                  </a:txBody>
+                  <a:tcPr marL="9525" marR="9525" marT="9525" marB="0" anchor="b"/>
+                </a:tc>
+                <a:tc>
+                  <a:txBody>
+                    <a:bodyPr/>
+                    <a:lstStyle/>
+                    <a:p>
+                      <a:pPr algn="r" fontAlgn="b"/>
+                      <a:r>
+                        <a:rPr lang="en-US" sz="1200" u="none" strike="noStrike" dirty="0">
+                          <a:effectLst/>
+                        </a:rPr>
+                        <a:t>1</a:t>
+                      </a:r>
+                      <a:endParaRPr lang="en-US" sz="1200" b="0" i="0" u="none" strike="noStrike" dirty="0">
+                        <a:solidFill>
+                          <a:srgbClr val="000000"/>
+                        </a:solidFill>
+                        <a:effectLst/>
+                        <a:latin typeface="Calibri" panose="020F0502020204030204" pitchFamily="34" charset="0"/>
+                      </a:endParaRPr>
+                    </a:p>
+                  </a:txBody>
+                  <a:tcPr marL="9525" marR="9525" marT="9525" marB="0" anchor="b"/>
+                </a:tc>
+                <a:extLst>
+                  <a:ext uri="{0D108BD9-81ED-4DB2-BD59-A6C34878D82A}">
+                    <a16:rowId xmlns:a16="http://schemas.microsoft.com/office/drawing/2014/main" val="2107532529"/>
+                  </a:ext>
+                </a:extLst>
+              </a:tr>
+            </a:tbl>
+          </a:graphicData>
+        </a:graphic>
+      </p:graphicFrame>
+      <p:graphicFrame>
+        <p:nvGraphicFramePr>
+          <p:cNvPr id="5" name="Content Placeholder 5">
+            <a:extLst>
+              <a:ext uri="{FF2B5EF4-FFF2-40B4-BE49-F238E27FC236}">
+                <a16:creationId xmlns:a16="http://schemas.microsoft.com/office/drawing/2014/main" id="{AF80FC4A-428B-C546-8AFB-A5DEDFE9417E}"/>
+              </a:ext>
+            </a:extLst>
+          </p:cNvPr>
+          <p:cNvGraphicFramePr>
+            <a:graphicFrameLocks noGrp="1"/>
+          </p:cNvGraphicFramePr>
+          <p:nvPr>
+            <p:ph idx="1"/>
+            <p:extLst>
+              <p:ext uri="{D42A27DB-BD31-4B8C-83A1-F6EECF244321}">
+                <p14:modId xmlns:p14="http://schemas.microsoft.com/office/powerpoint/2010/main" val="3636631880"/>
+              </p:ext>
+            </p:extLst>
+          </p:nvPr>
+        </p:nvGraphicFramePr>
+        <p:xfrm>
+          <a:off x="5147945" y="1712030"/>
+          <a:ext cx="3302000" cy="812800"/>
+        </p:xfrm>
+        <a:graphic>
+          <a:graphicData uri="http://schemas.openxmlformats.org/drawingml/2006/table">
+            <a:tbl>
+              <a:tblPr>
+                <a:tableStyleId>{5C22544A-7EE6-4342-B048-85BDC9FD1C3A}</a:tableStyleId>
+              </a:tblPr>
+              <a:tblGrid>
+                <a:gridCol w="825500">
+                  <a:extLst>
+                    <a:ext uri="{9D8B030D-6E8A-4147-A177-3AD203B41FA5}">
+                      <a16:colId xmlns:a16="http://schemas.microsoft.com/office/drawing/2014/main" val="319290595"/>
+                    </a:ext>
+                  </a:extLst>
+                </a:gridCol>
+                <a:gridCol w="825500">
+                  <a:extLst>
+                    <a:ext uri="{9D8B030D-6E8A-4147-A177-3AD203B41FA5}">
+                      <a16:colId xmlns:a16="http://schemas.microsoft.com/office/drawing/2014/main" val="3462565676"/>
+                    </a:ext>
+                  </a:extLst>
+                </a:gridCol>
+                <a:gridCol w="825500">
+                  <a:extLst>
+                    <a:ext uri="{9D8B030D-6E8A-4147-A177-3AD203B41FA5}">
+                      <a16:colId xmlns:a16="http://schemas.microsoft.com/office/drawing/2014/main" val="201635161"/>
+                    </a:ext>
+                  </a:extLst>
+                </a:gridCol>
+                <a:gridCol w="825500">
+                  <a:extLst>
+                    <a:ext uri="{9D8B030D-6E8A-4147-A177-3AD203B41FA5}">
+                      <a16:colId xmlns:a16="http://schemas.microsoft.com/office/drawing/2014/main" val="180298670"/>
+                    </a:ext>
+                  </a:extLst>
+                </a:gridCol>
+              </a:tblGrid>
+              <a:tr h="203200">
+                <a:tc>
+                  <a:txBody>
+                    <a:bodyPr/>
+                    <a:lstStyle/>
+                    <a:p>
+                      <a:pPr algn="l" fontAlgn="b"/>
+                      <a:r>
+                        <a:rPr lang="en-US" sz="1200" u="none" strike="noStrike">
+                          <a:effectLst/>
+                        </a:rPr>
+                        <a:t>idd</a:t>
+                      </a:r>
+                      <a:endParaRPr lang="en-US" sz="1200" b="0" i="0" u="none" strike="noStrike">
+                        <a:solidFill>
+                          <a:srgbClr val="000000"/>
+                        </a:solidFill>
+                        <a:effectLst/>
+                        <a:latin typeface="Calibri" panose="020F0502020204030204" pitchFamily="34" charset="0"/>
+                      </a:endParaRPr>
+                    </a:p>
+                  </a:txBody>
+                  <a:tcPr marL="9525" marR="9525" marT="9525" marB="0" anchor="b"/>
+                </a:tc>
+                <a:tc>
+                  <a:txBody>
+                    <a:bodyPr/>
+                    <a:lstStyle/>
+                    <a:p>
+                      <a:pPr algn="l" fontAlgn="b"/>
+                      <a:r>
+                        <a:rPr lang="en-US" sz="1200" u="none" strike="noStrike">
+                          <a:effectLst/>
+                        </a:rPr>
+                        <a:t>ft_data_dt</a:t>
+                      </a:r>
+                      <a:endParaRPr lang="en-US" sz="1200" b="0" i="0" u="none" strike="noStrike">
+                        <a:solidFill>
+                          <a:srgbClr val="000000"/>
+                        </a:solidFill>
+                        <a:effectLst/>
+                        <a:latin typeface="Calibri" panose="020F0502020204030204" pitchFamily="34" charset="0"/>
+                      </a:endParaRPr>
+                    </a:p>
+                  </a:txBody>
+                  <a:tcPr marL="9525" marR="9525" marT="9525" marB="0" anchor="b"/>
+                </a:tc>
+                <a:tc>
+                  <a:txBody>
+                    <a:bodyPr/>
+                    <a:lstStyle/>
+                    <a:p>
+                      <a:pPr algn="l" fontAlgn="b"/>
+                      <a:r>
+                        <a:rPr lang="en-US" sz="1200" u="none" strike="noStrike">
+                          <a:effectLst/>
+                        </a:rPr>
+                        <a:t>feature 1</a:t>
+                      </a:r>
+                      <a:endParaRPr lang="en-US" sz="1200" b="0" i="0" u="none" strike="noStrike">
+                        <a:solidFill>
+                          <a:srgbClr val="000000"/>
+                        </a:solidFill>
+                        <a:effectLst/>
+                        <a:latin typeface="Calibri" panose="020F0502020204030204" pitchFamily="34" charset="0"/>
+                      </a:endParaRPr>
+                    </a:p>
+                  </a:txBody>
+                  <a:tcPr marL="9525" marR="9525" marT="9525" marB="0" anchor="b"/>
+                </a:tc>
+                <a:tc>
+                  <a:txBody>
+                    <a:bodyPr/>
+                    <a:lstStyle/>
+                    <a:p>
+                      <a:pPr algn="l" fontAlgn="b"/>
+                      <a:r>
+                        <a:rPr lang="en-US" sz="1200" u="none" strike="noStrike">
+                          <a:effectLst/>
+                        </a:rPr>
+                        <a:t>feature 2</a:t>
+                      </a:r>
+                      <a:endParaRPr lang="en-US" sz="1200" b="0" i="0" u="none" strike="noStrike">
+                        <a:solidFill>
+                          <a:srgbClr val="000000"/>
+                        </a:solidFill>
+                        <a:effectLst/>
+                        <a:latin typeface="Calibri" panose="020F0502020204030204" pitchFamily="34" charset="0"/>
+                      </a:endParaRPr>
+                    </a:p>
+                  </a:txBody>
+                  <a:tcPr marL="9525" marR="9525" marT="9525" marB="0" anchor="b"/>
+                </a:tc>
+                <a:extLst>
+                  <a:ext uri="{0D108BD9-81ED-4DB2-BD59-A6C34878D82A}">
+                    <a16:rowId xmlns:a16="http://schemas.microsoft.com/office/drawing/2014/main" val="2462855297"/>
+                  </a:ext>
+                </a:extLst>
+              </a:tr>
+              <a:tr h="203200">
+                <a:tc>
+                  <a:txBody>
+                    <a:bodyPr/>
+                    <a:lstStyle/>
+                    <a:p>
+                      <a:pPr algn="r" fontAlgn="b"/>
+                      <a:r>
+                        <a:rPr lang="en-US" sz="1200" u="none" strike="noStrike">
+                          <a:effectLst/>
+                        </a:rPr>
+                        <a:t>801</a:t>
+                      </a:r>
+                      <a:endParaRPr lang="en-US" sz="1200" b="0" i="0" u="none" strike="noStrike">
+                        <a:solidFill>
+                          <a:srgbClr val="000000"/>
+                        </a:solidFill>
+                        <a:effectLst/>
+                        <a:latin typeface="Calibri" panose="020F0502020204030204" pitchFamily="34" charset="0"/>
+                      </a:endParaRPr>
+                    </a:p>
+                  </a:txBody>
+                  <a:tcPr marL="9525" marR="9525" marT="9525" marB="0" anchor="b"/>
+                </a:tc>
+                <a:tc>
+                  <a:txBody>
+                    <a:bodyPr/>
+                    <a:lstStyle/>
+                    <a:p>
+                      <a:pPr algn="l" fontAlgn="b"/>
+                      <a:r>
+                        <a:rPr lang="en-US" sz="1200" u="none" strike="noStrike" dirty="0">
+                          <a:effectLst/>
+                        </a:rPr>
+                        <a:t>2017-09-31</a:t>
+                      </a:r>
+                      <a:endParaRPr lang="en-US" sz="1200" b="0" i="0" u="none" strike="noStrike" dirty="0">
+                        <a:solidFill>
+                          <a:srgbClr val="000000"/>
+                        </a:solidFill>
+                        <a:effectLst/>
+                        <a:latin typeface="Calibri" panose="020F0502020204030204" pitchFamily="34" charset="0"/>
+                      </a:endParaRPr>
+                    </a:p>
+                  </a:txBody>
+                  <a:tcPr marL="9525" marR="9525" marT="9525" marB="0" anchor="b"/>
+                </a:tc>
+                <a:tc>
+                  <a:txBody>
+                    <a:bodyPr/>
+                    <a:lstStyle/>
+                    <a:p>
+                      <a:pPr algn="r" fontAlgn="b"/>
+                      <a:r>
+                        <a:rPr lang="en-US" sz="1200" u="none" strike="noStrike">
+                          <a:effectLst/>
+                        </a:rPr>
+                        <a:t>0.6962524</a:t>
+                      </a:r>
+                      <a:endParaRPr lang="en-US" sz="1200" b="0" i="0" u="none" strike="noStrike">
+                        <a:solidFill>
+                          <a:srgbClr val="000000"/>
+                        </a:solidFill>
+                        <a:effectLst/>
+                        <a:latin typeface="Calibri" panose="020F0502020204030204" pitchFamily="34" charset="0"/>
+                      </a:endParaRPr>
+                    </a:p>
+                  </a:txBody>
+                  <a:tcPr marL="9525" marR="9525" marT="9525" marB="0" anchor="b"/>
+                </a:tc>
+                <a:tc>
+                  <a:txBody>
+                    <a:bodyPr/>
+                    <a:lstStyle/>
+                    <a:p>
+                      <a:pPr algn="r" fontAlgn="b"/>
+                      <a:r>
+                        <a:rPr lang="en-US" sz="1200" u="none" strike="noStrike">
+                          <a:effectLst/>
+                        </a:rPr>
+                        <a:t>0.25721654</a:t>
+                      </a:r>
+                      <a:endParaRPr lang="en-US" sz="1200" b="0" i="0" u="none" strike="noStrike">
+                        <a:solidFill>
+                          <a:srgbClr val="000000"/>
+                        </a:solidFill>
+                        <a:effectLst/>
+                        <a:latin typeface="Calibri" panose="020F0502020204030204" pitchFamily="34" charset="0"/>
+                      </a:endParaRPr>
+                    </a:p>
+                  </a:txBody>
+                  <a:tcPr marL="9525" marR="9525" marT="9525" marB="0" anchor="b"/>
+                </a:tc>
+                <a:extLst>
+                  <a:ext uri="{0D108BD9-81ED-4DB2-BD59-A6C34878D82A}">
+                    <a16:rowId xmlns:a16="http://schemas.microsoft.com/office/drawing/2014/main" val="1620208297"/>
+                  </a:ext>
+                </a:extLst>
+              </a:tr>
+              <a:tr h="203200">
+                <a:tc>
+                  <a:txBody>
+                    <a:bodyPr/>
+                    <a:lstStyle/>
+                    <a:p>
+                      <a:pPr algn="r" fontAlgn="b"/>
+                      <a:r>
+                        <a:rPr lang="en-US" sz="1200" u="none" strike="noStrike">
+                          <a:effectLst/>
+                        </a:rPr>
+                        <a:t>802</a:t>
+                      </a:r>
+                      <a:endParaRPr lang="en-US" sz="1200" b="0" i="0" u="none" strike="noStrike">
+                        <a:solidFill>
+                          <a:srgbClr val="000000"/>
+                        </a:solidFill>
+                        <a:effectLst/>
+                        <a:latin typeface="Calibri" panose="020F0502020204030204" pitchFamily="34" charset="0"/>
+                      </a:endParaRPr>
+                    </a:p>
+                  </a:txBody>
+                  <a:tcPr marL="9525" marR="9525" marT="9525" marB="0" anchor="b"/>
+                </a:tc>
+                <a:tc>
+                  <a:txBody>
+                    <a:bodyPr/>
+                    <a:lstStyle/>
+                    <a:p>
+                      <a:pPr algn="l" fontAlgn="b"/>
+                      <a:r>
+                        <a:rPr lang="en-US" sz="1200" u="none" strike="noStrike">
+                          <a:effectLst/>
+                        </a:rPr>
+                        <a:t>2017-09-31</a:t>
+                      </a:r>
+                      <a:endParaRPr lang="en-US" sz="1200" b="0" i="0" u="none" strike="noStrike">
+                        <a:solidFill>
+                          <a:srgbClr val="000000"/>
+                        </a:solidFill>
+                        <a:effectLst/>
+                        <a:latin typeface="Calibri" panose="020F0502020204030204" pitchFamily="34" charset="0"/>
+                      </a:endParaRPr>
+                    </a:p>
+                  </a:txBody>
+                  <a:tcPr marL="9525" marR="9525" marT="9525" marB="0" anchor="b"/>
+                </a:tc>
+                <a:tc>
+                  <a:txBody>
+                    <a:bodyPr/>
+                    <a:lstStyle/>
+                    <a:p>
+                      <a:pPr algn="r" fontAlgn="b"/>
+                      <a:r>
+                        <a:rPr lang="en-US" sz="1200" u="none" strike="noStrike" dirty="0">
+                          <a:effectLst/>
+                        </a:rPr>
+                        <a:t>0.22980312</a:t>
+                      </a:r>
+                      <a:endParaRPr lang="en-US" sz="1200" b="0" i="0" u="none" strike="noStrike" dirty="0">
+                        <a:solidFill>
+                          <a:srgbClr val="000000"/>
+                        </a:solidFill>
+                        <a:effectLst/>
+                        <a:latin typeface="Calibri" panose="020F0502020204030204" pitchFamily="34" charset="0"/>
+                      </a:endParaRPr>
+                    </a:p>
+                  </a:txBody>
+                  <a:tcPr marL="9525" marR="9525" marT="9525" marB="0" anchor="b"/>
+                </a:tc>
+                <a:tc>
+                  <a:txBody>
+                    <a:bodyPr/>
+                    <a:lstStyle/>
+                    <a:p>
+                      <a:pPr algn="r" fontAlgn="b"/>
+                      <a:r>
+                        <a:rPr lang="en-US" sz="1200" u="none" strike="noStrike">
+                          <a:effectLst/>
+                        </a:rPr>
+                        <a:t>0.79995755</a:t>
+                      </a:r>
+                      <a:endParaRPr lang="en-US" sz="1200" b="0" i="0" u="none" strike="noStrike">
+                        <a:solidFill>
+                          <a:srgbClr val="000000"/>
+                        </a:solidFill>
+                        <a:effectLst/>
+                        <a:latin typeface="Calibri" panose="020F0502020204030204" pitchFamily="34" charset="0"/>
+                      </a:endParaRPr>
+                    </a:p>
+                  </a:txBody>
+                  <a:tcPr marL="9525" marR="9525" marT="9525" marB="0" anchor="b"/>
+                </a:tc>
+                <a:extLst>
+                  <a:ext uri="{0D108BD9-81ED-4DB2-BD59-A6C34878D82A}">
+                    <a16:rowId xmlns:a16="http://schemas.microsoft.com/office/drawing/2014/main" val="1290470786"/>
+                  </a:ext>
+                </a:extLst>
+              </a:tr>
+              <a:tr h="203200">
+                <a:tc>
+                  <a:txBody>
+                    <a:bodyPr/>
+                    <a:lstStyle/>
+                    <a:p>
+                      <a:pPr algn="r" fontAlgn="b"/>
+                      <a:r>
+                        <a:rPr lang="en-US" sz="1200" u="none" strike="noStrike">
+                          <a:effectLst/>
+                        </a:rPr>
+                        <a:t>803</a:t>
+                      </a:r>
+                      <a:endParaRPr lang="en-US" sz="1200" b="0" i="0" u="none" strike="noStrike">
+                        <a:solidFill>
+                          <a:srgbClr val="000000"/>
+                        </a:solidFill>
+                        <a:effectLst/>
+                        <a:latin typeface="Calibri" panose="020F0502020204030204" pitchFamily="34" charset="0"/>
+                      </a:endParaRPr>
+                    </a:p>
+                  </a:txBody>
+                  <a:tcPr marL="9525" marR="9525" marT="9525" marB="0" anchor="b"/>
+                </a:tc>
+                <a:tc>
+                  <a:txBody>
+                    <a:bodyPr/>
+                    <a:lstStyle/>
+                    <a:p>
+                      <a:pPr algn="l" fontAlgn="b"/>
+                      <a:r>
+                        <a:rPr lang="en-US" sz="1200" u="none" strike="noStrike">
+                          <a:effectLst/>
+                        </a:rPr>
+                        <a:t>2017-09-31</a:t>
+                      </a:r>
+                      <a:endParaRPr lang="en-US" sz="1200" b="0" i="0" u="none" strike="noStrike">
+                        <a:solidFill>
+                          <a:srgbClr val="000000"/>
+                        </a:solidFill>
+                        <a:effectLst/>
+                        <a:latin typeface="Calibri" panose="020F0502020204030204" pitchFamily="34" charset="0"/>
+                      </a:endParaRPr>
+                    </a:p>
+                  </a:txBody>
+                  <a:tcPr marL="9525" marR="9525" marT="9525" marB="0" anchor="b"/>
+                </a:tc>
+                <a:tc>
+                  <a:txBody>
+                    <a:bodyPr/>
+                    <a:lstStyle/>
+                    <a:p>
+                      <a:pPr algn="r" fontAlgn="b"/>
+                      <a:r>
+                        <a:rPr lang="en-US" sz="1200" u="none" strike="noStrike" dirty="0">
+                          <a:effectLst/>
+                        </a:rPr>
+                        <a:t>0.97886255</a:t>
+                      </a:r>
+                      <a:endParaRPr lang="en-US" sz="1200" b="0" i="0" u="none" strike="noStrike" dirty="0">
+                        <a:solidFill>
+                          <a:srgbClr val="000000"/>
+                        </a:solidFill>
+                        <a:effectLst/>
+                        <a:latin typeface="Calibri" panose="020F0502020204030204" pitchFamily="34" charset="0"/>
+                      </a:endParaRPr>
+                    </a:p>
+                  </a:txBody>
+                  <a:tcPr marL="9525" marR="9525" marT="9525" marB="0" anchor="b"/>
+                </a:tc>
+                <a:tc>
+                  <a:txBody>
+                    <a:bodyPr/>
+                    <a:lstStyle/>
+                    <a:p>
+                      <a:pPr algn="r" fontAlgn="b"/>
+                      <a:r>
+                        <a:rPr lang="en-US" sz="1200" u="none" strike="noStrike" dirty="0">
+                          <a:effectLst/>
+                        </a:rPr>
+                        <a:t>0.89726567</a:t>
+                      </a:r>
+                      <a:endParaRPr lang="en-US" sz="1200" b="0" i="0" u="none" strike="noStrike" dirty="0">
+                        <a:solidFill>
+                          <a:srgbClr val="000000"/>
+                        </a:solidFill>
+                        <a:effectLst/>
+                        <a:latin typeface="Calibri" panose="020F0502020204030204" pitchFamily="34" charset="0"/>
+                      </a:endParaRPr>
+                    </a:p>
+                  </a:txBody>
+                  <a:tcPr marL="9525" marR="9525" marT="9525" marB="0" anchor="b"/>
+                </a:tc>
+                <a:extLst>
+                  <a:ext uri="{0D108BD9-81ED-4DB2-BD59-A6C34878D82A}">
+                    <a16:rowId xmlns:a16="http://schemas.microsoft.com/office/drawing/2014/main" val="3663109728"/>
+                  </a:ext>
+                </a:extLst>
+              </a:tr>
+            </a:tbl>
+          </a:graphicData>
+        </a:graphic>
+      </p:graphicFrame>
+      <p:graphicFrame>
+        <p:nvGraphicFramePr>
+          <p:cNvPr id="6" name="Content Placeholder 5">
+            <a:extLst>
+              <a:ext uri="{FF2B5EF4-FFF2-40B4-BE49-F238E27FC236}">
+                <a16:creationId xmlns:a16="http://schemas.microsoft.com/office/drawing/2014/main" id="{2EE72CF1-D7BF-B34D-A230-EFB06BAFB839}"/>
+              </a:ext>
+            </a:extLst>
+          </p:cNvPr>
+          <p:cNvGraphicFramePr>
+            <a:graphicFrameLocks/>
+          </p:cNvGraphicFramePr>
+          <p:nvPr>
+            <p:extLst>
+              <p:ext uri="{D42A27DB-BD31-4B8C-83A1-F6EECF244321}">
+                <p14:modId xmlns:p14="http://schemas.microsoft.com/office/powerpoint/2010/main" val="3795632381"/>
+              </p:ext>
+            </p:extLst>
+          </p:nvPr>
+        </p:nvGraphicFramePr>
+        <p:xfrm>
+          <a:off x="5147945" y="3353121"/>
+          <a:ext cx="3302000" cy="812800"/>
+        </p:xfrm>
+        <a:graphic>
+          <a:graphicData uri="http://schemas.openxmlformats.org/drawingml/2006/table">
+            <a:tbl>
+              <a:tblPr>
+                <a:tableStyleId>{5C22544A-7EE6-4342-B048-85BDC9FD1C3A}</a:tableStyleId>
+              </a:tblPr>
+              <a:tblGrid>
+                <a:gridCol w="825500">
+                  <a:extLst>
+                    <a:ext uri="{9D8B030D-6E8A-4147-A177-3AD203B41FA5}">
+                      <a16:colId xmlns:a16="http://schemas.microsoft.com/office/drawing/2014/main" val="319290595"/>
+                    </a:ext>
+                  </a:extLst>
+                </a:gridCol>
+                <a:gridCol w="825500">
+                  <a:extLst>
+                    <a:ext uri="{9D8B030D-6E8A-4147-A177-3AD203B41FA5}">
+                      <a16:colId xmlns:a16="http://schemas.microsoft.com/office/drawing/2014/main" val="3462565676"/>
+                    </a:ext>
+                  </a:extLst>
+                </a:gridCol>
+                <a:gridCol w="825500">
+                  <a:extLst>
+                    <a:ext uri="{9D8B030D-6E8A-4147-A177-3AD203B41FA5}">
+                      <a16:colId xmlns:a16="http://schemas.microsoft.com/office/drawing/2014/main" val="201635161"/>
+                    </a:ext>
+                  </a:extLst>
+                </a:gridCol>
+                <a:gridCol w="825500">
+                  <a:extLst>
+                    <a:ext uri="{9D8B030D-6E8A-4147-A177-3AD203B41FA5}">
+                      <a16:colId xmlns:a16="http://schemas.microsoft.com/office/drawing/2014/main" val="180298670"/>
+                    </a:ext>
+                  </a:extLst>
+                </a:gridCol>
+              </a:tblGrid>
+              <a:tr h="203200">
+                <a:tc>
+                  <a:txBody>
+                    <a:bodyPr/>
+                    <a:lstStyle/>
+                    <a:p>
+                      <a:pPr algn="l" fontAlgn="b"/>
+                      <a:r>
+                        <a:rPr lang="en-US" sz="1200" u="none" strike="noStrike">
+                          <a:effectLst/>
+                        </a:rPr>
+                        <a:t>idd</a:t>
+                      </a:r>
+                      <a:endParaRPr lang="en-US" sz="1200" b="0" i="0" u="none" strike="noStrike">
+                        <a:solidFill>
+                          <a:srgbClr val="000000"/>
+                        </a:solidFill>
+                        <a:effectLst/>
+                        <a:latin typeface="Calibri" panose="020F0502020204030204" pitchFamily="34" charset="0"/>
+                      </a:endParaRPr>
+                    </a:p>
+                  </a:txBody>
+                  <a:tcPr marL="9525" marR="9525" marT="9525" marB="0" anchor="b"/>
+                </a:tc>
+                <a:tc>
+                  <a:txBody>
+                    <a:bodyPr/>
+                    <a:lstStyle/>
+                    <a:p>
+                      <a:pPr algn="l" fontAlgn="b"/>
+                      <a:r>
+                        <a:rPr lang="en-US" sz="1200" u="none" strike="noStrike">
+                          <a:effectLst/>
+                        </a:rPr>
+                        <a:t>ft_data_dt</a:t>
+                      </a:r>
+                      <a:endParaRPr lang="en-US" sz="1200" b="0" i="0" u="none" strike="noStrike">
+                        <a:solidFill>
+                          <a:srgbClr val="000000"/>
+                        </a:solidFill>
+                        <a:effectLst/>
+                        <a:latin typeface="Calibri" panose="020F0502020204030204" pitchFamily="34" charset="0"/>
+                      </a:endParaRPr>
+                    </a:p>
+                  </a:txBody>
+                  <a:tcPr marL="9525" marR="9525" marT="9525" marB="0" anchor="b"/>
+                </a:tc>
+                <a:tc>
+                  <a:txBody>
+                    <a:bodyPr/>
+                    <a:lstStyle/>
+                    <a:p>
+                      <a:pPr algn="l" fontAlgn="b"/>
+                      <a:r>
+                        <a:rPr lang="en-US" sz="1200" u="none" strike="noStrike">
+                          <a:effectLst/>
+                        </a:rPr>
+                        <a:t>feature 1</a:t>
+                      </a:r>
+                      <a:endParaRPr lang="en-US" sz="1200" b="0" i="0" u="none" strike="noStrike">
+                        <a:solidFill>
+                          <a:srgbClr val="000000"/>
+                        </a:solidFill>
+                        <a:effectLst/>
+                        <a:latin typeface="Calibri" panose="020F0502020204030204" pitchFamily="34" charset="0"/>
+                      </a:endParaRPr>
+                    </a:p>
+                  </a:txBody>
+                  <a:tcPr marL="9525" marR="9525" marT="9525" marB="0" anchor="b"/>
+                </a:tc>
+                <a:tc>
+                  <a:txBody>
+                    <a:bodyPr/>
+                    <a:lstStyle/>
+                    <a:p>
+                      <a:pPr algn="l" fontAlgn="b"/>
+                      <a:r>
+                        <a:rPr lang="en-US" sz="1200" u="none" strike="noStrike">
+                          <a:effectLst/>
+                        </a:rPr>
+                        <a:t>feature 2</a:t>
+                      </a:r>
+                      <a:endParaRPr lang="en-US" sz="1200" b="0" i="0" u="none" strike="noStrike">
+                        <a:solidFill>
+                          <a:srgbClr val="000000"/>
+                        </a:solidFill>
+                        <a:effectLst/>
+                        <a:latin typeface="Calibri" panose="020F0502020204030204" pitchFamily="34" charset="0"/>
+                      </a:endParaRPr>
+                    </a:p>
+                  </a:txBody>
+                  <a:tcPr marL="9525" marR="9525" marT="9525" marB="0" anchor="b"/>
+                </a:tc>
+                <a:extLst>
+                  <a:ext uri="{0D108BD9-81ED-4DB2-BD59-A6C34878D82A}">
+                    <a16:rowId xmlns:a16="http://schemas.microsoft.com/office/drawing/2014/main" val="2462855297"/>
+                  </a:ext>
+                </a:extLst>
+              </a:tr>
+              <a:tr h="203200">
+                <a:tc>
+                  <a:txBody>
+                    <a:bodyPr/>
+                    <a:lstStyle/>
+                    <a:p>
+                      <a:pPr algn="r" fontAlgn="b"/>
+                      <a:r>
+                        <a:rPr lang="en-US" sz="1200" u="none" strike="noStrike">
+                          <a:effectLst/>
+                        </a:rPr>
+                        <a:t>801</a:t>
+                      </a:r>
+                      <a:endParaRPr lang="en-US" sz="1200" b="0" i="0" u="none" strike="noStrike">
+                        <a:solidFill>
+                          <a:srgbClr val="000000"/>
+                        </a:solidFill>
+                        <a:effectLst/>
+                        <a:latin typeface="Calibri" panose="020F0502020204030204" pitchFamily="34" charset="0"/>
+                      </a:endParaRPr>
+                    </a:p>
+                  </a:txBody>
+                  <a:tcPr marL="9525" marR="9525" marT="9525" marB="0" anchor="b"/>
+                </a:tc>
+                <a:tc>
+                  <a:txBody>
+                    <a:bodyPr/>
+                    <a:lstStyle/>
+                    <a:p>
+                      <a:pPr algn="l" fontAlgn="b"/>
+                      <a:r>
+                        <a:rPr lang="en-US" sz="1200" u="none" strike="noStrike" dirty="0">
+                          <a:effectLst/>
+                        </a:rPr>
+                        <a:t>2017-09-31</a:t>
+                      </a:r>
+                      <a:endParaRPr lang="en-US" sz="1200" b="0" i="0" u="none" strike="noStrike" dirty="0">
+                        <a:solidFill>
+                          <a:srgbClr val="000000"/>
+                        </a:solidFill>
+                        <a:effectLst/>
+                        <a:latin typeface="Calibri" panose="020F0502020204030204" pitchFamily="34" charset="0"/>
+                      </a:endParaRPr>
+                    </a:p>
+                  </a:txBody>
+                  <a:tcPr marL="9525" marR="9525" marT="9525" marB="0" anchor="b"/>
+                </a:tc>
+                <a:tc>
+                  <a:txBody>
+                    <a:bodyPr/>
+                    <a:lstStyle/>
+                    <a:p>
+                      <a:pPr algn="r" fontAlgn="b"/>
+                      <a:r>
+                        <a:rPr lang="en-US" sz="1200" u="none" strike="noStrike">
+                          <a:effectLst/>
+                        </a:rPr>
+                        <a:t>0.6962524</a:t>
+                      </a:r>
+                      <a:endParaRPr lang="en-US" sz="1200" b="0" i="0" u="none" strike="noStrike">
+                        <a:solidFill>
+                          <a:srgbClr val="000000"/>
+                        </a:solidFill>
+                        <a:effectLst/>
+                        <a:latin typeface="Calibri" panose="020F0502020204030204" pitchFamily="34" charset="0"/>
+                      </a:endParaRPr>
+                    </a:p>
+                  </a:txBody>
+                  <a:tcPr marL="9525" marR="9525" marT="9525" marB="0" anchor="b"/>
+                </a:tc>
+                <a:tc>
+                  <a:txBody>
+                    <a:bodyPr/>
+                    <a:lstStyle/>
+                    <a:p>
+                      <a:pPr algn="r" fontAlgn="b"/>
+                      <a:r>
+                        <a:rPr lang="en-US" sz="1200" u="none" strike="noStrike">
+                          <a:effectLst/>
+                        </a:rPr>
+                        <a:t>0.25721654</a:t>
+                      </a:r>
+                      <a:endParaRPr lang="en-US" sz="1200" b="0" i="0" u="none" strike="noStrike">
+                        <a:solidFill>
+                          <a:srgbClr val="000000"/>
+                        </a:solidFill>
+                        <a:effectLst/>
+                        <a:latin typeface="Calibri" panose="020F0502020204030204" pitchFamily="34" charset="0"/>
+                      </a:endParaRPr>
+                    </a:p>
+                  </a:txBody>
+                  <a:tcPr marL="9525" marR="9525" marT="9525" marB="0" anchor="b"/>
+                </a:tc>
+                <a:extLst>
+                  <a:ext uri="{0D108BD9-81ED-4DB2-BD59-A6C34878D82A}">
+                    <a16:rowId xmlns:a16="http://schemas.microsoft.com/office/drawing/2014/main" val="1620208297"/>
+                  </a:ext>
+                </a:extLst>
+              </a:tr>
+              <a:tr h="203200">
+                <a:tc>
+                  <a:txBody>
+                    <a:bodyPr/>
+                    <a:lstStyle/>
+                    <a:p>
+                      <a:pPr algn="r" fontAlgn="b"/>
+                      <a:r>
+                        <a:rPr lang="en-US" sz="1200" u="none" strike="noStrike">
+                          <a:effectLst/>
+                        </a:rPr>
+                        <a:t>802</a:t>
+                      </a:r>
+                      <a:endParaRPr lang="en-US" sz="1200" b="0" i="0" u="none" strike="noStrike">
+                        <a:solidFill>
+                          <a:srgbClr val="000000"/>
+                        </a:solidFill>
+                        <a:effectLst/>
+                        <a:latin typeface="Calibri" panose="020F0502020204030204" pitchFamily="34" charset="0"/>
+                      </a:endParaRPr>
+                    </a:p>
+                  </a:txBody>
+                  <a:tcPr marL="9525" marR="9525" marT="9525" marB="0" anchor="b"/>
+                </a:tc>
+                <a:tc>
+                  <a:txBody>
+                    <a:bodyPr/>
+                    <a:lstStyle/>
+                    <a:p>
+                      <a:pPr algn="l" fontAlgn="b"/>
+                      <a:r>
+                        <a:rPr lang="en-US" sz="1200" u="none" strike="noStrike">
+                          <a:effectLst/>
+                        </a:rPr>
+                        <a:t>2017-09-31</a:t>
+                      </a:r>
+                      <a:endParaRPr lang="en-US" sz="1200" b="0" i="0" u="none" strike="noStrike">
+                        <a:solidFill>
+                          <a:srgbClr val="000000"/>
+                        </a:solidFill>
+                        <a:effectLst/>
+                        <a:latin typeface="Calibri" panose="020F0502020204030204" pitchFamily="34" charset="0"/>
+                      </a:endParaRPr>
+                    </a:p>
+                  </a:txBody>
+                  <a:tcPr marL="9525" marR="9525" marT="9525" marB="0" anchor="b"/>
+                </a:tc>
+                <a:tc>
+                  <a:txBody>
+                    <a:bodyPr/>
+                    <a:lstStyle/>
+                    <a:p>
+                      <a:pPr algn="r" fontAlgn="b"/>
+                      <a:r>
+                        <a:rPr lang="en-US" sz="1200" u="none" strike="noStrike" dirty="0">
+                          <a:effectLst/>
+                        </a:rPr>
+                        <a:t>0.22980312</a:t>
+                      </a:r>
+                      <a:endParaRPr lang="en-US" sz="1200" b="0" i="0" u="none" strike="noStrike" dirty="0">
+                        <a:solidFill>
+                          <a:srgbClr val="000000"/>
+                        </a:solidFill>
+                        <a:effectLst/>
+                        <a:latin typeface="Calibri" panose="020F0502020204030204" pitchFamily="34" charset="0"/>
+                      </a:endParaRPr>
+                    </a:p>
+                  </a:txBody>
+                  <a:tcPr marL="9525" marR="9525" marT="9525" marB="0" anchor="b"/>
+                </a:tc>
+                <a:tc>
+                  <a:txBody>
+                    <a:bodyPr/>
+                    <a:lstStyle/>
+                    <a:p>
+                      <a:pPr algn="r" fontAlgn="b"/>
+                      <a:r>
+                        <a:rPr lang="en-US" sz="1200" u="none" strike="noStrike">
+                          <a:effectLst/>
+                        </a:rPr>
+                        <a:t>0.79995755</a:t>
+                      </a:r>
+                      <a:endParaRPr lang="en-US" sz="1200" b="0" i="0" u="none" strike="noStrike">
+                        <a:solidFill>
+                          <a:srgbClr val="000000"/>
+                        </a:solidFill>
+                        <a:effectLst/>
+                        <a:latin typeface="Calibri" panose="020F0502020204030204" pitchFamily="34" charset="0"/>
+                      </a:endParaRPr>
+                    </a:p>
+                  </a:txBody>
+                  <a:tcPr marL="9525" marR="9525" marT="9525" marB="0" anchor="b"/>
+                </a:tc>
+                <a:extLst>
+                  <a:ext uri="{0D108BD9-81ED-4DB2-BD59-A6C34878D82A}">
+                    <a16:rowId xmlns:a16="http://schemas.microsoft.com/office/drawing/2014/main" val="1290470786"/>
+                  </a:ext>
+                </a:extLst>
+              </a:tr>
+              <a:tr h="203200">
+                <a:tc>
+                  <a:txBody>
+                    <a:bodyPr/>
+                    <a:lstStyle/>
+                    <a:p>
+                      <a:pPr algn="r" fontAlgn="b"/>
+                      <a:r>
+                        <a:rPr lang="en-US" sz="1200" u="none" strike="noStrike">
+                          <a:effectLst/>
+                        </a:rPr>
+                        <a:t>803</a:t>
+                      </a:r>
+                      <a:endParaRPr lang="en-US" sz="1200" b="0" i="0" u="none" strike="noStrike">
+                        <a:solidFill>
+                          <a:srgbClr val="000000"/>
+                        </a:solidFill>
+                        <a:effectLst/>
+                        <a:latin typeface="Calibri" panose="020F0502020204030204" pitchFamily="34" charset="0"/>
+                      </a:endParaRPr>
+                    </a:p>
+                  </a:txBody>
+                  <a:tcPr marL="9525" marR="9525" marT="9525" marB="0" anchor="b"/>
+                </a:tc>
+                <a:tc>
+                  <a:txBody>
+                    <a:bodyPr/>
+                    <a:lstStyle/>
+                    <a:p>
+                      <a:pPr algn="l" fontAlgn="b"/>
+                      <a:r>
+                        <a:rPr lang="en-US" sz="1200" u="none" strike="noStrike">
+                          <a:effectLst/>
+                        </a:rPr>
+                        <a:t>2017-09-31</a:t>
+                      </a:r>
+                      <a:endParaRPr lang="en-US" sz="1200" b="0" i="0" u="none" strike="noStrike">
+                        <a:solidFill>
+                          <a:srgbClr val="000000"/>
+                        </a:solidFill>
+                        <a:effectLst/>
+                        <a:latin typeface="Calibri" panose="020F0502020204030204" pitchFamily="34" charset="0"/>
+                      </a:endParaRPr>
+                    </a:p>
+                  </a:txBody>
+                  <a:tcPr marL="9525" marR="9525" marT="9525" marB="0" anchor="b"/>
+                </a:tc>
+                <a:tc>
+                  <a:txBody>
+                    <a:bodyPr/>
+                    <a:lstStyle/>
+                    <a:p>
+                      <a:pPr algn="r" fontAlgn="b"/>
+                      <a:r>
+                        <a:rPr lang="en-US" sz="1200" u="none" strike="noStrike" dirty="0">
+                          <a:effectLst/>
+                        </a:rPr>
+                        <a:t>0.97886255</a:t>
+                      </a:r>
+                      <a:endParaRPr lang="en-US" sz="1200" b="0" i="0" u="none" strike="noStrike" dirty="0">
+                        <a:solidFill>
+                          <a:srgbClr val="000000"/>
+                        </a:solidFill>
+                        <a:effectLst/>
+                        <a:latin typeface="Calibri" panose="020F0502020204030204" pitchFamily="34" charset="0"/>
+                      </a:endParaRPr>
+                    </a:p>
+                  </a:txBody>
+                  <a:tcPr marL="9525" marR="9525" marT="9525" marB="0" anchor="b"/>
+                </a:tc>
+                <a:tc>
+                  <a:txBody>
+                    <a:bodyPr/>
+                    <a:lstStyle/>
+                    <a:p>
+                      <a:pPr algn="r" fontAlgn="b"/>
+                      <a:r>
+                        <a:rPr lang="en-US" sz="1200" u="none" strike="noStrike" dirty="0">
+                          <a:effectLst/>
+                        </a:rPr>
+                        <a:t>0.89726567</a:t>
+                      </a:r>
+                      <a:endParaRPr lang="en-US" sz="1200" b="0" i="0" u="none" strike="noStrike" dirty="0">
+                        <a:solidFill>
+                          <a:srgbClr val="000000"/>
+                        </a:solidFill>
+                        <a:effectLst/>
+                        <a:latin typeface="Calibri" panose="020F0502020204030204" pitchFamily="34" charset="0"/>
+                      </a:endParaRPr>
+                    </a:p>
+                  </a:txBody>
+                  <a:tcPr marL="9525" marR="9525" marT="9525" marB="0" anchor="b"/>
+                </a:tc>
+                <a:extLst>
+                  <a:ext uri="{0D108BD9-81ED-4DB2-BD59-A6C34878D82A}">
+                    <a16:rowId xmlns:a16="http://schemas.microsoft.com/office/drawing/2014/main" val="3663109728"/>
+                  </a:ext>
+                </a:extLst>
+              </a:tr>
+            </a:tbl>
+          </a:graphicData>
+        </a:graphic>
+      </p:graphicFrame>
+      <p:graphicFrame>
+        <p:nvGraphicFramePr>
+          <p:cNvPr id="7" name="Content Placeholder 5">
+            <a:extLst>
+              <a:ext uri="{FF2B5EF4-FFF2-40B4-BE49-F238E27FC236}">
+                <a16:creationId xmlns:a16="http://schemas.microsoft.com/office/drawing/2014/main" id="{21DA39BA-B964-9F4A-A139-23DCDCCAFC34}"/>
+              </a:ext>
+            </a:extLst>
+          </p:cNvPr>
+          <p:cNvGraphicFramePr>
+            <a:graphicFrameLocks/>
+          </p:cNvGraphicFramePr>
+          <p:nvPr>
+            <p:extLst>
+              <p:ext uri="{D42A27DB-BD31-4B8C-83A1-F6EECF244321}">
+                <p14:modId xmlns:p14="http://schemas.microsoft.com/office/powerpoint/2010/main" val="2088597964"/>
+              </p:ext>
+            </p:extLst>
+          </p:nvPr>
+        </p:nvGraphicFramePr>
+        <p:xfrm>
+          <a:off x="5147945" y="5188332"/>
+          <a:ext cx="3302000" cy="812800"/>
+        </p:xfrm>
+        <a:graphic>
+          <a:graphicData uri="http://schemas.openxmlformats.org/drawingml/2006/table">
+            <a:tbl>
+              <a:tblPr>
+                <a:tableStyleId>{5C22544A-7EE6-4342-B048-85BDC9FD1C3A}</a:tableStyleId>
+              </a:tblPr>
+              <a:tblGrid>
+                <a:gridCol w="825500">
+                  <a:extLst>
+                    <a:ext uri="{9D8B030D-6E8A-4147-A177-3AD203B41FA5}">
+                      <a16:colId xmlns:a16="http://schemas.microsoft.com/office/drawing/2014/main" val="319290595"/>
+                    </a:ext>
+                  </a:extLst>
+                </a:gridCol>
+                <a:gridCol w="825500">
+                  <a:extLst>
+                    <a:ext uri="{9D8B030D-6E8A-4147-A177-3AD203B41FA5}">
+                      <a16:colId xmlns:a16="http://schemas.microsoft.com/office/drawing/2014/main" val="3462565676"/>
+                    </a:ext>
+                  </a:extLst>
+                </a:gridCol>
+                <a:gridCol w="825500">
+                  <a:extLst>
+                    <a:ext uri="{9D8B030D-6E8A-4147-A177-3AD203B41FA5}">
+                      <a16:colId xmlns:a16="http://schemas.microsoft.com/office/drawing/2014/main" val="201635161"/>
+                    </a:ext>
+                  </a:extLst>
+                </a:gridCol>
+                <a:gridCol w="825500">
+                  <a:extLst>
+                    <a:ext uri="{9D8B030D-6E8A-4147-A177-3AD203B41FA5}">
+                      <a16:colId xmlns:a16="http://schemas.microsoft.com/office/drawing/2014/main" val="180298670"/>
+                    </a:ext>
+                  </a:extLst>
+                </a:gridCol>
+              </a:tblGrid>
+              <a:tr h="203200">
+                <a:tc>
+                  <a:txBody>
+                    <a:bodyPr/>
+                    <a:lstStyle/>
+                    <a:p>
+                      <a:pPr algn="l" fontAlgn="b"/>
+                      <a:r>
+                        <a:rPr lang="en-US" sz="1200" u="none" strike="noStrike">
+                          <a:effectLst/>
+                        </a:rPr>
+                        <a:t>idd</a:t>
+                      </a:r>
+                      <a:endParaRPr lang="en-US" sz="1200" b="0" i="0" u="none" strike="noStrike">
+                        <a:solidFill>
+                          <a:srgbClr val="000000"/>
+                        </a:solidFill>
+                        <a:effectLst/>
+                        <a:latin typeface="Calibri" panose="020F0502020204030204" pitchFamily="34" charset="0"/>
+                      </a:endParaRPr>
+                    </a:p>
+                  </a:txBody>
+                  <a:tcPr marL="9525" marR="9525" marT="9525" marB="0" anchor="b"/>
+                </a:tc>
+                <a:tc>
+                  <a:txBody>
+                    <a:bodyPr/>
+                    <a:lstStyle/>
+                    <a:p>
+                      <a:pPr algn="l" fontAlgn="b"/>
+                      <a:r>
+                        <a:rPr lang="en-US" sz="1200" u="none" strike="noStrike">
+                          <a:effectLst/>
+                        </a:rPr>
+                        <a:t>ft_data_dt</a:t>
+                      </a:r>
+                      <a:endParaRPr lang="en-US" sz="1200" b="0" i="0" u="none" strike="noStrike">
+                        <a:solidFill>
+                          <a:srgbClr val="000000"/>
+                        </a:solidFill>
+                        <a:effectLst/>
+                        <a:latin typeface="Calibri" panose="020F0502020204030204" pitchFamily="34" charset="0"/>
+                      </a:endParaRPr>
+                    </a:p>
+                  </a:txBody>
+                  <a:tcPr marL="9525" marR="9525" marT="9525" marB="0" anchor="b"/>
+                </a:tc>
+                <a:tc>
+                  <a:txBody>
+                    <a:bodyPr/>
+                    <a:lstStyle/>
+                    <a:p>
+                      <a:pPr algn="l" fontAlgn="b"/>
+                      <a:r>
+                        <a:rPr lang="en-US" sz="1200" u="none" strike="noStrike">
+                          <a:effectLst/>
+                        </a:rPr>
+                        <a:t>feature 1</a:t>
+                      </a:r>
+                      <a:endParaRPr lang="en-US" sz="1200" b="0" i="0" u="none" strike="noStrike">
+                        <a:solidFill>
+                          <a:srgbClr val="000000"/>
+                        </a:solidFill>
+                        <a:effectLst/>
+                        <a:latin typeface="Calibri" panose="020F0502020204030204" pitchFamily="34" charset="0"/>
+                      </a:endParaRPr>
+                    </a:p>
+                  </a:txBody>
+                  <a:tcPr marL="9525" marR="9525" marT="9525" marB="0" anchor="b"/>
+                </a:tc>
+                <a:tc>
+                  <a:txBody>
+                    <a:bodyPr/>
+                    <a:lstStyle/>
+                    <a:p>
+                      <a:pPr algn="l" fontAlgn="b"/>
+                      <a:r>
+                        <a:rPr lang="en-US" sz="1200" u="none" strike="noStrike">
+                          <a:effectLst/>
+                        </a:rPr>
+                        <a:t>feature 2</a:t>
+                      </a:r>
+                      <a:endParaRPr lang="en-US" sz="1200" b="0" i="0" u="none" strike="noStrike">
+                        <a:solidFill>
+                          <a:srgbClr val="000000"/>
+                        </a:solidFill>
+                        <a:effectLst/>
+                        <a:latin typeface="Calibri" panose="020F0502020204030204" pitchFamily="34" charset="0"/>
+                      </a:endParaRPr>
+                    </a:p>
+                  </a:txBody>
+                  <a:tcPr marL="9525" marR="9525" marT="9525" marB="0" anchor="b"/>
+                </a:tc>
+                <a:extLst>
+                  <a:ext uri="{0D108BD9-81ED-4DB2-BD59-A6C34878D82A}">
+                    <a16:rowId xmlns:a16="http://schemas.microsoft.com/office/drawing/2014/main" val="2462855297"/>
+                  </a:ext>
+                </a:extLst>
+              </a:tr>
+              <a:tr h="203200">
+                <a:tc>
+                  <a:txBody>
+                    <a:bodyPr/>
+                    <a:lstStyle/>
+                    <a:p>
+                      <a:pPr algn="r" fontAlgn="b"/>
+                      <a:r>
+                        <a:rPr lang="en-US" sz="1200" u="none" strike="noStrike">
+                          <a:effectLst/>
+                        </a:rPr>
+                        <a:t>801</a:t>
+                      </a:r>
+                      <a:endParaRPr lang="en-US" sz="1200" b="0" i="0" u="none" strike="noStrike">
+                        <a:solidFill>
+                          <a:srgbClr val="000000"/>
+                        </a:solidFill>
+                        <a:effectLst/>
+                        <a:latin typeface="Calibri" panose="020F0502020204030204" pitchFamily="34" charset="0"/>
+                      </a:endParaRPr>
+                    </a:p>
+                  </a:txBody>
+                  <a:tcPr marL="9525" marR="9525" marT="9525" marB="0" anchor="b"/>
+                </a:tc>
+                <a:tc>
+                  <a:txBody>
+                    <a:bodyPr/>
+                    <a:lstStyle/>
+                    <a:p>
+                      <a:pPr algn="l" fontAlgn="b"/>
+                      <a:r>
+                        <a:rPr lang="en-US" sz="1200" u="none" strike="noStrike" dirty="0">
+                          <a:effectLst/>
+                        </a:rPr>
+                        <a:t>2017-09-31</a:t>
+                      </a:r>
+                      <a:endParaRPr lang="en-US" sz="1200" b="0" i="0" u="none" strike="noStrike" dirty="0">
+                        <a:solidFill>
+                          <a:srgbClr val="000000"/>
+                        </a:solidFill>
+                        <a:effectLst/>
+                        <a:latin typeface="Calibri" panose="020F0502020204030204" pitchFamily="34" charset="0"/>
+                      </a:endParaRPr>
+                    </a:p>
+                  </a:txBody>
+                  <a:tcPr marL="9525" marR="9525" marT="9525" marB="0" anchor="b"/>
+                </a:tc>
+                <a:tc>
+                  <a:txBody>
+                    <a:bodyPr/>
+                    <a:lstStyle/>
+                    <a:p>
+                      <a:pPr algn="r" fontAlgn="b"/>
+                      <a:r>
+                        <a:rPr lang="en-US" sz="1200" u="none" strike="noStrike">
+                          <a:effectLst/>
+                        </a:rPr>
+                        <a:t>0.6962524</a:t>
+                      </a:r>
+                      <a:endParaRPr lang="en-US" sz="1200" b="0" i="0" u="none" strike="noStrike">
+                        <a:solidFill>
+                          <a:srgbClr val="000000"/>
+                        </a:solidFill>
+                        <a:effectLst/>
+                        <a:latin typeface="Calibri" panose="020F0502020204030204" pitchFamily="34" charset="0"/>
+                      </a:endParaRPr>
+                    </a:p>
+                  </a:txBody>
+                  <a:tcPr marL="9525" marR="9525" marT="9525" marB="0" anchor="b"/>
+                </a:tc>
+                <a:tc>
+                  <a:txBody>
+                    <a:bodyPr/>
+                    <a:lstStyle/>
+                    <a:p>
+                      <a:pPr algn="r" fontAlgn="b"/>
+                      <a:r>
+                        <a:rPr lang="en-US" sz="1200" u="none" strike="noStrike">
+                          <a:effectLst/>
+                        </a:rPr>
+                        <a:t>0.25721654</a:t>
+                      </a:r>
+                      <a:endParaRPr lang="en-US" sz="1200" b="0" i="0" u="none" strike="noStrike">
+                        <a:solidFill>
+                          <a:srgbClr val="000000"/>
+                        </a:solidFill>
+                        <a:effectLst/>
+                        <a:latin typeface="Calibri" panose="020F0502020204030204" pitchFamily="34" charset="0"/>
+                      </a:endParaRPr>
+                    </a:p>
+                  </a:txBody>
+                  <a:tcPr marL="9525" marR="9525" marT="9525" marB="0" anchor="b"/>
+                </a:tc>
+                <a:extLst>
+                  <a:ext uri="{0D108BD9-81ED-4DB2-BD59-A6C34878D82A}">
+                    <a16:rowId xmlns:a16="http://schemas.microsoft.com/office/drawing/2014/main" val="1620208297"/>
+                  </a:ext>
+                </a:extLst>
+              </a:tr>
+              <a:tr h="203200">
+                <a:tc>
+                  <a:txBody>
+                    <a:bodyPr/>
+                    <a:lstStyle/>
+                    <a:p>
+                      <a:pPr algn="r" fontAlgn="b"/>
+                      <a:r>
+                        <a:rPr lang="en-US" sz="1200" u="none" strike="noStrike">
+                          <a:effectLst/>
+                        </a:rPr>
+                        <a:t>802</a:t>
+                      </a:r>
+                      <a:endParaRPr lang="en-US" sz="1200" b="0" i="0" u="none" strike="noStrike">
+                        <a:solidFill>
+                          <a:srgbClr val="000000"/>
+                        </a:solidFill>
+                        <a:effectLst/>
+                        <a:latin typeface="Calibri" panose="020F0502020204030204" pitchFamily="34" charset="0"/>
+                      </a:endParaRPr>
+                    </a:p>
+                  </a:txBody>
+                  <a:tcPr marL="9525" marR="9525" marT="9525" marB="0" anchor="b"/>
+                </a:tc>
+                <a:tc>
+                  <a:txBody>
+                    <a:bodyPr/>
+                    <a:lstStyle/>
+                    <a:p>
+                      <a:pPr algn="l" fontAlgn="b"/>
+                      <a:r>
+                        <a:rPr lang="en-US" sz="1200" u="none" strike="noStrike">
+                          <a:effectLst/>
+                        </a:rPr>
+                        <a:t>2017-09-31</a:t>
+                      </a:r>
+                      <a:endParaRPr lang="en-US" sz="1200" b="0" i="0" u="none" strike="noStrike">
+                        <a:solidFill>
+                          <a:srgbClr val="000000"/>
+                        </a:solidFill>
+                        <a:effectLst/>
+                        <a:latin typeface="Calibri" panose="020F0502020204030204" pitchFamily="34" charset="0"/>
+                      </a:endParaRPr>
+                    </a:p>
+                  </a:txBody>
+                  <a:tcPr marL="9525" marR="9525" marT="9525" marB="0" anchor="b"/>
+                </a:tc>
+                <a:tc>
+                  <a:txBody>
+                    <a:bodyPr/>
+                    <a:lstStyle/>
+                    <a:p>
+                      <a:pPr algn="r" fontAlgn="b"/>
+                      <a:r>
+                        <a:rPr lang="en-US" sz="1200" u="none" strike="noStrike" dirty="0">
+                          <a:effectLst/>
+                        </a:rPr>
+                        <a:t>0.22980312</a:t>
+                      </a:r>
+                      <a:endParaRPr lang="en-US" sz="1200" b="0" i="0" u="none" strike="noStrike" dirty="0">
+                        <a:solidFill>
+                          <a:srgbClr val="000000"/>
+                        </a:solidFill>
+                        <a:effectLst/>
+                        <a:latin typeface="Calibri" panose="020F0502020204030204" pitchFamily="34" charset="0"/>
+                      </a:endParaRPr>
+                    </a:p>
+                  </a:txBody>
+                  <a:tcPr marL="9525" marR="9525" marT="9525" marB="0" anchor="b"/>
+                </a:tc>
+                <a:tc>
+                  <a:txBody>
+                    <a:bodyPr/>
+                    <a:lstStyle/>
+                    <a:p>
+                      <a:pPr algn="r" fontAlgn="b"/>
+                      <a:r>
+                        <a:rPr lang="en-US" sz="1200" u="none" strike="noStrike">
+                          <a:effectLst/>
+                        </a:rPr>
+                        <a:t>0.79995755</a:t>
+                      </a:r>
+                      <a:endParaRPr lang="en-US" sz="1200" b="0" i="0" u="none" strike="noStrike">
+                        <a:solidFill>
+                          <a:srgbClr val="000000"/>
+                        </a:solidFill>
+                        <a:effectLst/>
+                        <a:latin typeface="Calibri" panose="020F0502020204030204" pitchFamily="34" charset="0"/>
+                      </a:endParaRPr>
+                    </a:p>
+                  </a:txBody>
+                  <a:tcPr marL="9525" marR="9525" marT="9525" marB="0" anchor="b"/>
+                </a:tc>
+                <a:extLst>
+                  <a:ext uri="{0D108BD9-81ED-4DB2-BD59-A6C34878D82A}">
+                    <a16:rowId xmlns:a16="http://schemas.microsoft.com/office/drawing/2014/main" val="1290470786"/>
+                  </a:ext>
+                </a:extLst>
+              </a:tr>
+              <a:tr h="203200">
+                <a:tc>
+                  <a:txBody>
+                    <a:bodyPr/>
+                    <a:lstStyle/>
+                    <a:p>
+                      <a:pPr algn="r" fontAlgn="b"/>
+                      <a:r>
+                        <a:rPr lang="en-US" sz="1200" u="none" strike="noStrike">
+                          <a:effectLst/>
+                        </a:rPr>
+                        <a:t>803</a:t>
+                      </a:r>
+                      <a:endParaRPr lang="en-US" sz="1200" b="0" i="0" u="none" strike="noStrike">
+                        <a:solidFill>
+                          <a:srgbClr val="000000"/>
+                        </a:solidFill>
+                        <a:effectLst/>
+                        <a:latin typeface="Calibri" panose="020F0502020204030204" pitchFamily="34" charset="0"/>
+                      </a:endParaRPr>
+                    </a:p>
+                  </a:txBody>
+                  <a:tcPr marL="9525" marR="9525" marT="9525" marB="0" anchor="b"/>
+                </a:tc>
+                <a:tc>
+                  <a:txBody>
+                    <a:bodyPr/>
+                    <a:lstStyle/>
+                    <a:p>
+                      <a:pPr algn="l" fontAlgn="b"/>
+                      <a:r>
+                        <a:rPr lang="en-US" sz="1200" u="none" strike="noStrike">
+                          <a:effectLst/>
+                        </a:rPr>
+                        <a:t>2017-09-31</a:t>
+                      </a:r>
+                      <a:endParaRPr lang="en-US" sz="1200" b="0" i="0" u="none" strike="noStrike">
+                        <a:solidFill>
+                          <a:srgbClr val="000000"/>
+                        </a:solidFill>
+                        <a:effectLst/>
+                        <a:latin typeface="Calibri" panose="020F0502020204030204" pitchFamily="34" charset="0"/>
+                      </a:endParaRPr>
+                    </a:p>
+                  </a:txBody>
+                  <a:tcPr marL="9525" marR="9525" marT="9525" marB="0" anchor="b"/>
+                </a:tc>
+                <a:tc>
+                  <a:txBody>
+                    <a:bodyPr/>
+                    <a:lstStyle/>
+                    <a:p>
+                      <a:pPr algn="r" fontAlgn="b"/>
+                      <a:r>
+                        <a:rPr lang="en-US" sz="1200" u="none" strike="noStrike" dirty="0">
+                          <a:effectLst/>
+                        </a:rPr>
+                        <a:t>0.97886255</a:t>
+                      </a:r>
+                      <a:endParaRPr lang="en-US" sz="1200" b="0" i="0" u="none" strike="noStrike" dirty="0">
+                        <a:solidFill>
+                          <a:srgbClr val="000000"/>
+                        </a:solidFill>
+                        <a:effectLst/>
+                        <a:latin typeface="Calibri" panose="020F0502020204030204" pitchFamily="34" charset="0"/>
+                      </a:endParaRPr>
+                    </a:p>
+                  </a:txBody>
+                  <a:tcPr marL="9525" marR="9525" marT="9525" marB="0" anchor="b"/>
+                </a:tc>
+                <a:tc>
+                  <a:txBody>
+                    <a:bodyPr/>
+                    <a:lstStyle/>
+                    <a:p>
+                      <a:pPr algn="r" fontAlgn="b"/>
+                      <a:r>
+                        <a:rPr lang="en-US" sz="1200" u="none" strike="noStrike" dirty="0">
+                          <a:effectLst/>
+                        </a:rPr>
+                        <a:t>0.89726567</a:t>
+                      </a:r>
+                      <a:endParaRPr lang="en-US" sz="1200" b="0" i="0" u="none" strike="noStrike" dirty="0">
+                        <a:solidFill>
+                          <a:srgbClr val="000000"/>
+                        </a:solidFill>
+                        <a:effectLst/>
+                        <a:latin typeface="Calibri" panose="020F0502020204030204" pitchFamily="34" charset="0"/>
+                      </a:endParaRPr>
+                    </a:p>
+                  </a:txBody>
+                  <a:tcPr marL="9525" marR="9525" marT="9525" marB="0" anchor="b"/>
+                </a:tc>
+                <a:extLst>
+                  <a:ext uri="{0D108BD9-81ED-4DB2-BD59-A6C34878D82A}">
+                    <a16:rowId xmlns:a16="http://schemas.microsoft.com/office/drawing/2014/main" val="3663109728"/>
+                  </a:ext>
+                </a:extLst>
+              </a:tr>
+            </a:tbl>
+          </a:graphicData>
+        </a:graphic>
+      </p:graphicFrame>
+      <p:cxnSp>
+        <p:nvCxnSpPr>
+          <p:cNvPr id="9" name="Straight Arrow Connector 8">
+            <a:extLst>
+              <a:ext uri="{FF2B5EF4-FFF2-40B4-BE49-F238E27FC236}">
+                <a16:creationId xmlns:a16="http://schemas.microsoft.com/office/drawing/2014/main" id="{EB2A39B7-A6B7-AA46-A56F-A69ACC977D68}"/>
+              </a:ext>
+            </a:extLst>
+          </p:cNvPr>
+          <p:cNvCxnSpPr>
+            <a:cxnSpLocks/>
+            <a:stCxn id="5" idx="1"/>
+            <a:endCxn id="4" idx="3"/>
+          </p:cNvCxnSpPr>
+          <p:nvPr/>
+        </p:nvCxnSpPr>
+        <p:spPr>
+          <a:xfrm flipH="1">
+            <a:off x="3918761" y="2118430"/>
+            <a:ext cx="1229184" cy="1641091"/>
+          </a:xfrm>
+          <a:prstGeom prst="straightConnector1">
+            <a:avLst/>
+          </a:prstGeom>
+          <a:ln>
+            <a:tailEnd type="triangle"/>
+          </a:ln>
+        </p:spPr>
+        <p:style>
+          <a:lnRef idx="1">
+            <a:schemeClr val="accent1"/>
+          </a:lnRef>
+          <a:fillRef idx="0">
+            <a:schemeClr val="accent1"/>
+          </a:fillRef>
+          <a:effectRef idx="0">
+            <a:schemeClr val="accent1"/>
+          </a:effectRef>
+          <a:fontRef idx="minor">
+            <a:schemeClr val="tx1"/>
+          </a:fontRef>
+        </p:style>
+      </p:cxnSp>
+      <p:cxnSp>
+        <p:nvCxnSpPr>
+          <p:cNvPr id="12" name="Straight Arrow Connector 11">
+            <a:extLst>
+              <a:ext uri="{FF2B5EF4-FFF2-40B4-BE49-F238E27FC236}">
+                <a16:creationId xmlns:a16="http://schemas.microsoft.com/office/drawing/2014/main" id="{346DC530-DB52-7246-AC80-8096474F6F2C}"/>
+              </a:ext>
+            </a:extLst>
+          </p:cNvPr>
+          <p:cNvCxnSpPr>
+            <a:cxnSpLocks/>
+            <a:stCxn id="6" idx="1"/>
+            <a:endCxn id="4" idx="3"/>
+          </p:cNvCxnSpPr>
+          <p:nvPr/>
+        </p:nvCxnSpPr>
+        <p:spPr>
+          <a:xfrm flipH="1">
+            <a:off x="3918761" y="3759521"/>
+            <a:ext cx="1229184" cy="0"/>
+          </a:xfrm>
+          <a:prstGeom prst="straightConnector1">
+            <a:avLst/>
+          </a:prstGeom>
+          <a:ln>
+            <a:tailEnd type="triangle"/>
+          </a:ln>
+        </p:spPr>
+        <p:style>
+          <a:lnRef idx="1">
+            <a:schemeClr val="accent1"/>
+          </a:lnRef>
+          <a:fillRef idx="0">
+            <a:schemeClr val="accent1"/>
+          </a:fillRef>
+          <a:effectRef idx="0">
+            <a:schemeClr val="accent1"/>
+          </a:effectRef>
+          <a:fontRef idx="minor">
+            <a:schemeClr val="tx1"/>
+          </a:fontRef>
+        </p:style>
+      </p:cxnSp>
+      <p:cxnSp>
+        <p:nvCxnSpPr>
+          <p:cNvPr id="15" name="Straight Arrow Connector 14">
+            <a:extLst>
+              <a:ext uri="{FF2B5EF4-FFF2-40B4-BE49-F238E27FC236}">
+                <a16:creationId xmlns:a16="http://schemas.microsoft.com/office/drawing/2014/main" id="{E35627DB-BCBF-AB40-8EE0-9E45C68AD9AD}"/>
+              </a:ext>
+            </a:extLst>
+          </p:cNvPr>
+          <p:cNvCxnSpPr>
+            <a:cxnSpLocks/>
+            <a:stCxn id="7" idx="1"/>
+            <a:endCxn id="4" idx="3"/>
+          </p:cNvCxnSpPr>
+          <p:nvPr/>
+        </p:nvCxnSpPr>
+        <p:spPr>
+          <a:xfrm flipH="1" flipV="1">
+            <a:off x="3918761" y="3759521"/>
+            <a:ext cx="1229184" cy="1835211"/>
+          </a:xfrm>
+          <a:prstGeom prst="straightConnector1">
+            <a:avLst/>
+          </a:prstGeom>
+          <a:ln>
+            <a:tailEnd type="triangle"/>
+          </a:ln>
+        </p:spPr>
+        <p:style>
+          <a:lnRef idx="1">
+            <a:schemeClr val="accent1"/>
+          </a:lnRef>
+          <a:fillRef idx="0">
+            <a:schemeClr val="accent1"/>
+          </a:fillRef>
+          <a:effectRef idx="0">
+            <a:schemeClr val="accent1"/>
+          </a:effectRef>
+          <a:fontRef idx="minor">
+            <a:schemeClr val="tx1"/>
+          </a:fontRef>
+        </p:style>
+      </p:cxnSp>
+      <p:sp>
+        <p:nvSpPr>
+          <p:cNvPr id="18" name="TextBox 17">
+            <a:extLst>
+              <a:ext uri="{FF2B5EF4-FFF2-40B4-BE49-F238E27FC236}">
+                <a16:creationId xmlns:a16="http://schemas.microsoft.com/office/drawing/2014/main" id="{098A78DC-07C8-AC40-B05F-4A708C399636}"/>
+              </a:ext>
+            </a:extLst>
+          </p:cNvPr>
+          <p:cNvSpPr txBox="1"/>
+          <p:nvPr/>
+        </p:nvSpPr>
+        <p:spPr>
+          <a:xfrm>
+            <a:off x="6374181" y="1321356"/>
+            <a:ext cx="849528" cy="369332"/>
+          </a:xfrm>
+          <a:prstGeom prst="rect">
+            <a:avLst/>
+          </a:prstGeom>
+          <a:noFill/>
+        </p:spPr>
+        <p:txBody>
+          <a:bodyPr wrap="none" rtlCol="0">
+            <a:spAutoFit/>
+          </a:bodyPr>
+          <a:lstStyle/>
+          <a:p>
+            <a:r>
+              <a:rPr lang="en-US" dirty="0"/>
+              <a:t>Table 1</a:t>
+            </a:r>
+          </a:p>
+        </p:txBody>
+      </p:sp>
+      <p:sp>
+        <p:nvSpPr>
+          <p:cNvPr id="19" name="TextBox 18">
+            <a:extLst>
+              <a:ext uri="{FF2B5EF4-FFF2-40B4-BE49-F238E27FC236}">
+                <a16:creationId xmlns:a16="http://schemas.microsoft.com/office/drawing/2014/main" id="{9539A67B-A5F3-6A4C-A19B-464D22F48780}"/>
+              </a:ext>
+            </a:extLst>
+          </p:cNvPr>
+          <p:cNvSpPr txBox="1"/>
+          <p:nvPr/>
+        </p:nvSpPr>
+        <p:spPr>
+          <a:xfrm>
+            <a:off x="6374181" y="2938975"/>
+            <a:ext cx="849528" cy="369332"/>
+          </a:xfrm>
+          <a:prstGeom prst="rect">
+            <a:avLst/>
+          </a:prstGeom>
+          <a:noFill/>
+        </p:spPr>
+        <p:txBody>
+          <a:bodyPr wrap="none" rtlCol="0">
+            <a:spAutoFit/>
+          </a:bodyPr>
+          <a:lstStyle/>
+          <a:p>
+            <a:r>
+              <a:rPr lang="en-US" dirty="0"/>
+              <a:t>Table 2</a:t>
+            </a:r>
+          </a:p>
+        </p:txBody>
+      </p:sp>
+      <p:sp>
+        <p:nvSpPr>
+          <p:cNvPr id="20" name="TextBox 19">
+            <a:extLst>
+              <a:ext uri="{FF2B5EF4-FFF2-40B4-BE49-F238E27FC236}">
+                <a16:creationId xmlns:a16="http://schemas.microsoft.com/office/drawing/2014/main" id="{441E5AA5-BE9D-374C-975D-51305EF08311}"/>
+              </a:ext>
+            </a:extLst>
+          </p:cNvPr>
+          <p:cNvSpPr txBox="1"/>
+          <p:nvPr/>
+        </p:nvSpPr>
+        <p:spPr>
+          <a:xfrm>
+            <a:off x="6374181" y="4776638"/>
+            <a:ext cx="849528" cy="369332"/>
+          </a:xfrm>
+          <a:prstGeom prst="rect">
+            <a:avLst/>
+          </a:prstGeom>
+          <a:noFill/>
+        </p:spPr>
+        <p:txBody>
+          <a:bodyPr wrap="none" rtlCol="0">
+            <a:spAutoFit/>
+          </a:bodyPr>
+          <a:lstStyle/>
+          <a:p>
+            <a:r>
+              <a:rPr lang="en-US" dirty="0"/>
+              <a:t>Table 3</a:t>
+            </a:r>
+          </a:p>
+        </p:txBody>
+      </p:sp>
+      <p:sp>
+        <p:nvSpPr>
+          <p:cNvPr id="21" name="TextBox 20">
+            <a:extLst>
+              <a:ext uri="{FF2B5EF4-FFF2-40B4-BE49-F238E27FC236}">
+                <a16:creationId xmlns:a16="http://schemas.microsoft.com/office/drawing/2014/main" id="{03E41E9D-F728-4042-A8E7-1769B2B636A8}"/>
+              </a:ext>
+            </a:extLst>
+          </p:cNvPr>
+          <p:cNvSpPr txBox="1"/>
+          <p:nvPr/>
+        </p:nvSpPr>
+        <p:spPr>
+          <a:xfrm>
+            <a:off x="1442261" y="6119765"/>
+            <a:ext cx="5970264" cy="369332"/>
+          </a:xfrm>
+          <a:prstGeom prst="rect">
+            <a:avLst/>
+          </a:prstGeom>
+          <a:noFill/>
+        </p:spPr>
+        <p:txBody>
+          <a:bodyPr wrap="square" rtlCol="0">
+            <a:spAutoFit/>
+          </a:bodyPr>
+          <a:lstStyle/>
+          <a:p>
+            <a:r>
+              <a:rPr lang="en-US" dirty="0" err="1"/>
+              <a:t>Target.join</a:t>
+            </a:r>
+            <a:r>
+              <a:rPr lang="en-US" dirty="0"/>
+              <a:t>(table, on=[‘</a:t>
+            </a:r>
+            <a:r>
+              <a:rPr lang="en-US" dirty="0" err="1"/>
+              <a:t>idd</a:t>
+            </a:r>
+            <a:r>
+              <a:rPr lang="en-US" dirty="0"/>
+              <a:t>’, ‘</a:t>
+            </a:r>
+            <a:r>
+              <a:rPr lang="en-US" dirty="0" err="1"/>
+              <a:t>ft_data_dt</a:t>
+            </a:r>
+            <a:r>
+              <a:rPr lang="en-US" dirty="0"/>
+              <a:t>’], how=‘left’)</a:t>
+            </a:r>
+          </a:p>
+        </p:txBody>
+      </p:sp>
+    </p:spTree>
+    <p:extLst>
+      <p:ext uri="{BB962C8B-B14F-4D97-AF65-F5344CB8AC3E}">
+        <p14:creationId xmlns:p14="http://schemas.microsoft.com/office/powerpoint/2010/main" val="491385185"/>
+      </p:ext>
+    </p:extLst>
+  </p:cSld>
+  <p:clrMapOvr>
+    <a:masterClrMapping/>
+  </p:clrMapOvr>
+</p:sld>
+</file>
+
+<file path=ppt/slides/slide7.xml><?xml version="1.0" encoding="utf-8"?>
+<p:sld xmlns:a="http://schemas.openxmlformats.org/drawingml/2006/main" xmlns:r="http://schemas.openxmlformats.org/officeDocument/2006/relationships" xmlns:p="http://schemas.openxmlformats.org/presentationml/2006/main">
+  <p:cSld>
+    <p:spTree>
+      <p:nvGrpSpPr>
+        <p:cNvPr id="1" name=""/>
+        <p:cNvGrpSpPr/>
+        <p:nvPr/>
+      </p:nvGrpSpPr>
+      <p:grpSpPr>
+        <a:xfrm>
+          <a:off x="0" y="0"/>
+          <a:ext cx="0" cy="0"/>
+          <a:chOff x="0" y="0"/>
+          <a:chExt cx="0" cy="0"/>
+        </a:xfrm>
+      </p:grpSpPr>
+      <p:sp>
+        <p:nvSpPr>
+          <p:cNvPr id="2" name="Title 1">
+            <a:extLst>
+              <a:ext uri="{FF2B5EF4-FFF2-40B4-BE49-F238E27FC236}">
+                <a16:creationId xmlns:a16="http://schemas.microsoft.com/office/drawing/2014/main" id="{F53EE802-8401-8F47-9ADF-8E435DBC3DD6}"/>
+              </a:ext>
+            </a:extLst>
+          </p:cNvPr>
+          <p:cNvSpPr>
+            <a:spLocks noGrp="1"/>
+          </p:cNvSpPr>
+          <p:nvPr>
+            <p:ph type="title"/>
+          </p:nvPr>
+        </p:nvSpPr>
+        <p:spPr/>
+        <p:txBody>
+          <a:bodyPr>
+            <a:normAutofit/>
+          </a:bodyPr>
+          <a:lstStyle/>
+          <a:p>
+            <a:r>
+              <a:rPr lang="en-US" sz="4000" dirty="0"/>
+              <a:t>Prediction model </a:t>
+            </a:r>
+            <a:r>
+              <a:rPr lang="en-US" sz="4000" dirty="0" err="1"/>
+              <a:t>chioces</a:t>
+            </a:r>
+            <a:endParaRPr lang="en-US" sz="4000" dirty="0"/>
+          </a:p>
+        </p:txBody>
+      </p:sp>
+      <p:sp>
+        <p:nvSpPr>
+          <p:cNvPr id="8" name="Content Placeholder 7">
+            <a:extLst>
+              <a:ext uri="{FF2B5EF4-FFF2-40B4-BE49-F238E27FC236}">
+                <a16:creationId xmlns:a16="http://schemas.microsoft.com/office/drawing/2014/main" id="{D566B7D0-C661-074C-AC30-8FC55E56B25C}"/>
+              </a:ext>
+            </a:extLst>
+          </p:cNvPr>
+          <p:cNvSpPr>
+            <a:spLocks noGrp="1"/>
+          </p:cNvSpPr>
+          <p:nvPr>
+            <p:ph idx="1"/>
+          </p:nvPr>
+        </p:nvSpPr>
+        <p:spPr/>
+        <p:txBody>
+          <a:bodyPr/>
+          <a:lstStyle/>
+          <a:p>
+            <a:r>
+              <a:rPr lang="en-US" dirty="0"/>
+              <a:t>Supervised learning</a:t>
+            </a:r>
+          </a:p>
+          <a:p>
+            <a:pPr lvl="1"/>
+            <a:r>
+              <a:rPr lang="en-US" dirty="0"/>
+              <a:t>Tree based model</a:t>
+            </a:r>
+          </a:p>
+          <a:p>
+            <a:endParaRPr lang="en-US" dirty="0"/>
+          </a:p>
+          <a:p>
+            <a:r>
+              <a:rPr lang="en-US" dirty="0"/>
+              <a:t>Unsupervised learning</a:t>
+            </a:r>
+          </a:p>
+          <a:p>
+            <a:pPr lvl="1"/>
+            <a:r>
+              <a:rPr lang="en-US" dirty="0"/>
+              <a:t>Let use infected patients as seeds</a:t>
+            </a:r>
+          </a:p>
+          <a:p>
+            <a:pPr lvl="1"/>
+            <a:r>
+              <a:rPr lang="en-US" dirty="0"/>
+              <a:t>May consider distance by using dynamic time warping</a:t>
+            </a:r>
+          </a:p>
+        </p:txBody>
+      </p:sp>
+    </p:spTree>
+    <p:extLst>
+      <p:ext uri="{BB962C8B-B14F-4D97-AF65-F5344CB8AC3E}">
+        <p14:creationId xmlns:p14="http://schemas.microsoft.com/office/powerpoint/2010/main" val="1090393372"/>
       </p:ext>
     </p:extLst>
   </p:cSld>
